--- a/malware-presentation-rootkits-4MI340043.pptx
+++ b/malware-presentation-rootkits-4MI340043.pptx
@@ -5,12 +5,22 @@
     <p:sldMasterId id="2147483648" r:id="rId1"/>
   </p:sldMasterIdLst>
   <p:notesMasterIdLst>
-    <p:notesMasterId r:id="rId5"/>
+    <p:notesMasterId r:id="rId15"/>
   </p:notesMasterIdLst>
   <p:sldIdLst>
     <p:sldId id="256" r:id="rId2"/>
     <p:sldId id="257" r:id="rId3"/>
     <p:sldId id="258" r:id="rId4"/>
+    <p:sldId id="259" r:id="rId5"/>
+    <p:sldId id="260" r:id="rId6"/>
+    <p:sldId id="261" r:id="rId7"/>
+    <p:sldId id="262" r:id="rId8"/>
+    <p:sldId id="263" r:id="rId9"/>
+    <p:sldId id="264" r:id="rId10"/>
+    <p:sldId id="265" r:id="rId11"/>
+    <p:sldId id="266" r:id="rId12"/>
+    <p:sldId id="268" r:id="rId13"/>
+    <p:sldId id="267" r:id="rId14"/>
   </p:sldIdLst>
   <p:sldSz cx="12192000" cy="6858000"/>
   <p:notesSz cx="6858000" cy="9144000"/>
@@ -109,6 +119,11 @@
       </a:defRPr>
     </a:lvl9pPr>
   </p:defaultTextStyle>
+  <p:extLst>
+    <p:ext uri="{EFAFB233-063F-42B5-8137-9DF3F51BA10A}">
+      <p15:sldGuideLst xmlns:p15="http://schemas.microsoft.com/office/powerpoint/2012/main"/>
+    </p:ext>
+  </p:extLst>
 </p:presentation>
 </file>
 
@@ -194,7 +209,7 @@
           <a:p>
             <a:fld id="{7E547258-D3E2-4CE1-B008-E31900700E3E}" type="datetimeFigureOut">
               <a:rPr lang="bg-BG" smtClean="0"/>
-              <a:t>8.2.2022 г.</a:t>
+              <a:t>9.2.2022 г.</a:t>
             </a:fld>
             <a:endParaRPr lang="bg-BG"/>
           </a:p>
@@ -506,6 +521,90 @@
           <a:bodyPr/>
           <a:lstStyle/>
           <a:p>
+            <a:endParaRPr lang="bg-BG" dirty="0"/>
+          </a:p>
+        </p:txBody>
+      </p:sp>
+      <p:sp>
+        <p:nvSpPr>
+          <p:cNvPr id="4" name="Контейнер за номер на слайда 3"/>
+          <p:cNvSpPr>
+            <a:spLocks noGrp="1"/>
+          </p:cNvSpPr>
+          <p:nvPr>
+            <p:ph type="sldNum" sz="quarter" idx="10"/>
+          </p:nvPr>
+        </p:nvSpPr>
+        <p:spPr/>
+        <p:txBody>
+          <a:bodyPr/>
+          <a:lstStyle/>
+          <a:p>
+            <a:fld id="{06A4FB40-73F6-4F2F-BF64-30A471935424}" type="slidenum">
+              <a:rPr lang="bg-BG" smtClean="0"/>
+              <a:t>1</a:t>
+            </a:fld>
+            <a:endParaRPr lang="bg-BG"/>
+          </a:p>
+        </p:txBody>
+      </p:sp>
+    </p:spTree>
+    <p:extLst>
+      <p:ext uri="{BB962C8B-B14F-4D97-AF65-F5344CB8AC3E}">
+        <p14:creationId xmlns:p14="http://schemas.microsoft.com/office/powerpoint/2010/main" val="229912206"/>
+      </p:ext>
+    </p:extLst>
+  </p:cSld>
+  <p:clrMapOvr>
+    <a:masterClrMapping/>
+  </p:clrMapOvr>
+</p:notes>
+</file>
+
+<file path=ppt/notesSlides/notesSlide2.xml><?xml version="1.0" encoding="utf-8"?>
+<p:notes xmlns:a="http://schemas.openxmlformats.org/drawingml/2006/main" xmlns:r="http://schemas.openxmlformats.org/officeDocument/2006/relationships" xmlns:p="http://schemas.openxmlformats.org/presentationml/2006/main">
+  <p:cSld>
+    <p:spTree>
+      <p:nvGrpSpPr>
+        <p:cNvPr id="1" name=""/>
+        <p:cNvGrpSpPr/>
+        <p:nvPr/>
+      </p:nvGrpSpPr>
+      <p:grpSpPr>
+        <a:xfrm>
+          <a:off x="0" y="0"/>
+          <a:ext cx="0" cy="0"/>
+          <a:chOff x="0" y="0"/>
+          <a:chExt cx="0" cy="0"/>
+        </a:xfrm>
+      </p:grpSpPr>
+      <p:sp>
+        <p:nvSpPr>
+          <p:cNvPr id="2" name="Контейнер за изображение на слайда 1"/>
+          <p:cNvSpPr>
+            <a:spLocks noGrp="1" noRot="1" noChangeAspect="1"/>
+          </p:cNvSpPr>
+          <p:nvPr>
+            <p:ph type="sldImg"/>
+          </p:nvPr>
+        </p:nvSpPr>
+        <p:spPr/>
+      </p:sp>
+      <p:sp>
+        <p:nvSpPr>
+          <p:cNvPr id="3" name="Контейнер за бележки 2"/>
+          <p:cNvSpPr>
+            <a:spLocks noGrp="1"/>
+          </p:cNvSpPr>
+          <p:nvPr>
+            <p:ph type="body" idx="1"/>
+          </p:nvPr>
+        </p:nvSpPr>
+        <p:spPr/>
+        <p:txBody>
+          <a:bodyPr/>
+          <a:lstStyle/>
+          <a:p>
             <a:endParaRPr lang="bg-BG"/>
           </a:p>
         </p:txBody>
@@ -537,6 +636,174 @@
     <p:extLst>
       <p:ext uri="{BB962C8B-B14F-4D97-AF65-F5344CB8AC3E}">
         <p14:creationId xmlns:p14="http://schemas.microsoft.com/office/powerpoint/2010/main" val="1614373331"/>
+      </p:ext>
+    </p:extLst>
+  </p:cSld>
+  <p:clrMapOvr>
+    <a:masterClrMapping/>
+  </p:clrMapOvr>
+</p:notes>
+</file>
+
+<file path=ppt/notesSlides/notesSlide3.xml><?xml version="1.0" encoding="utf-8"?>
+<p:notes xmlns:a="http://schemas.openxmlformats.org/drawingml/2006/main" xmlns:r="http://schemas.openxmlformats.org/officeDocument/2006/relationships" xmlns:p="http://schemas.openxmlformats.org/presentationml/2006/main">
+  <p:cSld>
+    <p:spTree>
+      <p:nvGrpSpPr>
+        <p:cNvPr id="1" name=""/>
+        <p:cNvGrpSpPr/>
+        <p:nvPr/>
+      </p:nvGrpSpPr>
+      <p:grpSpPr>
+        <a:xfrm>
+          <a:off x="0" y="0"/>
+          <a:ext cx="0" cy="0"/>
+          <a:chOff x="0" y="0"/>
+          <a:chExt cx="0" cy="0"/>
+        </a:xfrm>
+      </p:grpSpPr>
+      <p:sp>
+        <p:nvSpPr>
+          <p:cNvPr id="2" name="Контейнер за изображение на слайда 1"/>
+          <p:cNvSpPr>
+            <a:spLocks noGrp="1" noRot="1" noChangeAspect="1"/>
+          </p:cNvSpPr>
+          <p:nvPr>
+            <p:ph type="sldImg"/>
+          </p:nvPr>
+        </p:nvSpPr>
+        <p:spPr/>
+      </p:sp>
+      <p:sp>
+        <p:nvSpPr>
+          <p:cNvPr id="3" name="Контейнер за бележки 2"/>
+          <p:cNvSpPr>
+            <a:spLocks noGrp="1"/>
+          </p:cNvSpPr>
+          <p:nvPr>
+            <p:ph type="body" idx="1"/>
+          </p:nvPr>
+        </p:nvSpPr>
+        <p:spPr/>
+        <p:txBody>
+          <a:bodyPr/>
+          <a:lstStyle/>
+          <a:p>
+            <a:endParaRPr lang="bg-BG" dirty="0"/>
+          </a:p>
+        </p:txBody>
+      </p:sp>
+      <p:sp>
+        <p:nvSpPr>
+          <p:cNvPr id="4" name="Контейнер за номер на слайда 3"/>
+          <p:cNvSpPr>
+            <a:spLocks noGrp="1"/>
+          </p:cNvSpPr>
+          <p:nvPr>
+            <p:ph type="sldNum" sz="quarter" idx="10"/>
+          </p:nvPr>
+        </p:nvSpPr>
+        <p:spPr/>
+        <p:txBody>
+          <a:bodyPr/>
+          <a:lstStyle/>
+          <a:p>
+            <a:fld id="{06A4FB40-73F6-4F2F-BF64-30A471935424}" type="slidenum">
+              <a:rPr lang="bg-BG" smtClean="0"/>
+              <a:t>4</a:t>
+            </a:fld>
+            <a:endParaRPr lang="bg-BG"/>
+          </a:p>
+        </p:txBody>
+      </p:sp>
+    </p:spTree>
+    <p:extLst>
+      <p:ext uri="{BB962C8B-B14F-4D97-AF65-F5344CB8AC3E}">
+        <p14:creationId xmlns:p14="http://schemas.microsoft.com/office/powerpoint/2010/main" val="3706831439"/>
+      </p:ext>
+    </p:extLst>
+  </p:cSld>
+  <p:clrMapOvr>
+    <a:masterClrMapping/>
+  </p:clrMapOvr>
+</p:notes>
+</file>
+
+<file path=ppt/notesSlides/notesSlide4.xml><?xml version="1.0" encoding="utf-8"?>
+<p:notes xmlns:a="http://schemas.openxmlformats.org/drawingml/2006/main" xmlns:r="http://schemas.openxmlformats.org/officeDocument/2006/relationships" xmlns:p="http://schemas.openxmlformats.org/presentationml/2006/main">
+  <p:cSld>
+    <p:spTree>
+      <p:nvGrpSpPr>
+        <p:cNvPr id="1" name=""/>
+        <p:cNvGrpSpPr/>
+        <p:nvPr/>
+      </p:nvGrpSpPr>
+      <p:grpSpPr>
+        <a:xfrm>
+          <a:off x="0" y="0"/>
+          <a:ext cx="0" cy="0"/>
+          <a:chOff x="0" y="0"/>
+          <a:chExt cx="0" cy="0"/>
+        </a:xfrm>
+      </p:grpSpPr>
+      <p:sp>
+        <p:nvSpPr>
+          <p:cNvPr id="2" name="Контейнер за изображение на слайда 1"/>
+          <p:cNvSpPr>
+            <a:spLocks noGrp="1" noRot="1" noChangeAspect="1"/>
+          </p:cNvSpPr>
+          <p:nvPr>
+            <p:ph type="sldImg"/>
+          </p:nvPr>
+        </p:nvSpPr>
+        <p:spPr/>
+      </p:sp>
+      <p:sp>
+        <p:nvSpPr>
+          <p:cNvPr id="3" name="Контейнер за бележки 2"/>
+          <p:cNvSpPr>
+            <a:spLocks noGrp="1"/>
+          </p:cNvSpPr>
+          <p:nvPr>
+            <p:ph type="body" idx="1"/>
+          </p:nvPr>
+        </p:nvSpPr>
+        <p:spPr/>
+        <p:txBody>
+          <a:bodyPr/>
+          <a:lstStyle/>
+          <a:p>
+            <a:endParaRPr lang="bg-BG" dirty="0"/>
+          </a:p>
+        </p:txBody>
+      </p:sp>
+      <p:sp>
+        <p:nvSpPr>
+          <p:cNvPr id="4" name="Контейнер за номер на слайда 3"/>
+          <p:cNvSpPr>
+            <a:spLocks noGrp="1"/>
+          </p:cNvSpPr>
+          <p:nvPr>
+            <p:ph type="sldNum" sz="quarter" idx="10"/>
+          </p:nvPr>
+        </p:nvSpPr>
+        <p:spPr/>
+        <p:txBody>
+          <a:bodyPr/>
+          <a:lstStyle/>
+          <a:p>
+            <a:fld id="{06A4FB40-73F6-4F2F-BF64-30A471935424}" type="slidenum">
+              <a:rPr lang="bg-BG" smtClean="0"/>
+              <a:t>6</a:t>
+            </a:fld>
+            <a:endParaRPr lang="bg-BG"/>
+          </a:p>
+        </p:txBody>
+      </p:sp>
+    </p:spTree>
+    <p:extLst>
+      <p:ext uri="{BB962C8B-B14F-4D97-AF65-F5344CB8AC3E}">
+        <p14:creationId xmlns:p14="http://schemas.microsoft.com/office/powerpoint/2010/main" val="3693912492"/>
       </p:ext>
     </p:extLst>
   </p:cSld>
@@ -677,7 +944,7 @@
           <a:p>
             <a:fld id="{B0216D88-D2CB-44E2-967F-ACF0F7DA175A}" type="datetime1">
               <a:rPr lang="bg-BG" smtClean="0"/>
-              <a:t>8.2.2022 г.</a:t>
+              <a:t>9.2.2022 г.</a:t>
             </a:fld>
             <a:endParaRPr lang="bg-BG"/>
           </a:p>
@@ -851,7 +1118,7 @@
           <a:p>
             <a:fld id="{BB129744-2ABE-41E3-AF36-9BD9E912F45D}" type="datetime1">
               <a:rPr lang="bg-BG" smtClean="0"/>
-              <a:t>8.2.2022 г.</a:t>
+              <a:t>9.2.2022 г.</a:t>
             </a:fld>
             <a:endParaRPr lang="bg-BG"/>
           </a:p>
@@ -1035,7 +1302,7 @@
           <a:p>
             <a:fld id="{B93757BF-C07C-41B8-A287-83C821480FF1}" type="datetime1">
               <a:rPr lang="bg-BG" smtClean="0"/>
-              <a:t>8.2.2022 г.</a:t>
+              <a:t>9.2.2022 г.</a:t>
             </a:fld>
             <a:endParaRPr lang="bg-BG"/>
           </a:p>
@@ -1209,7 +1476,7 @@
           <a:p>
             <a:fld id="{7E807D41-EF01-47A6-873A-1CAC63E39858}" type="datetime1">
               <a:rPr lang="bg-BG" smtClean="0"/>
-              <a:t>8.2.2022 г.</a:t>
+              <a:t>9.2.2022 г.</a:t>
             </a:fld>
             <a:endParaRPr lang="bg-BG"/>
           </a:p>
@@ -1459,7 +1726,7 @@
           <a:p>
             <a:fld id="{BD532017-1370-4101-8325-DC1F71A5ECFB}" type="datetime1">
               <a:rPr lang="bg-BG" smtClean="0"/>
-              <a:t>8.2.2022 г.</a:t>
+              <a:t>9.2.2022 г.</a:t>
             </a:fld>
             <a:endParaRPr lang="bg-BG"/>
           </a:p>
@@ -1695,7 +1962,7 @@
           <a:p>
             <a:fld id="{D84FDA24-3A17-451E-8443-4C0B3B161E97}" type="datetime1">
               <a:rPr lang="bg-BG" smtClean="0"/>
-              <a:t>8.2.2022 г.</a:t>
+              <a:t>9.2.2022 г.</a:t>
             </a:fld>
             <a:endParaRPr lang="bg-BG"/>
           </a:p>
@@ -2066,7 +2333,7 @@
           <a:p>
             <a:fld id="{E121DACB-860F-4036-A1A4-B549D61A672F}" type="datetime1">
               <a:rPr lang="bg-BG" smtClean="0"/>
-              <a:t>8.2.2022 г.</a:t>
+              <a:t>9.2.2022 г.</a:t>
             </a:fld>
             <a:endParaRPr lang="bg-BG"/>
           </a:p>
@@ -2188,7 +2455,7 @@
           <a:p>
             <a:fld id="{D58F0905-750D-4225-8807-0361CEDC508E}" type="datetime1">
               <a:rPr lang="bg-BG" smtClean="0"/>
-              <a:t>8.2.2022 г.</a:t>
+              <a:t>9.2.2022 г.</a:t>
             </a:fld>
             <a:endParaRPr lang="bg-BG"/>
           </a:p>
@@ -2287,7 +2554,7 @@
           <a:p>
             <a:fld id="{E8C41FC7-9910-42DA-9FE3-F3E762ABD1D7}" type="datetime1">
               <a:rPr lang="bg-BG" smtClean="0"/>
-              <a:t>8.2.2022 г.</a:t>
+              <a:t>9.2.2022 г.</a:t>
             </a:fld>
             <a:endParaRPr lang="bg-BG"/>
           </a:p>
@@ -2568,7 +2835,7 @@
           <a:p>
             <a:fld id="{F428D9B1-5158-4182-BABA-BE09555F63FB}" type="datetime1">
               <a:rPr lang="bg-BG" smtClean="0"/>
-              <a:t>8.2.2022 г.</a:t>
+              <a:t>9.2.2022 г.</a:t>
             </a:fld>
             <a:endParaRPr lang="bg-BG"/>
           </a:p>
@@ -2825,7 +3092,7 @@
           <a:p>
             <a:fld id="{FDFDF08F-0CA3-4C81-BE23-FB211EBD5F0A}" type="datetime1">
               <a:rPr lang="bg-BG" smtClean="0"/>
-              <a:t>8.2.2022 г.</a:t>
+              <a:t>9.2.2022 г.</a:t>
             </a:fld>
             <a:endParaRPr lang="bg-BG"/>
           </a:p>
@@ -3042,7 +3309,7 @@
           <a:p>
             <a:fld id="{979FF69A-0192-45DC-AA74-886B518CF1BC}" type="datetime1">
               <a:rPr lang="bg-BG" smtClean="0"/>
-              <a:t>8.2.2022 г.</a:t>
+              <a:t>9.2.2022 г.</a:t>
             </a:fld>
             <a:endParaRPr lang="bg-BG"/>
           </a:p>
@@ -3541,8 +3808,20 @@
               <a:t>Курсова работа на тема </a:t>
             </a:r>
             <a:r>
+              <a:rPr lang="en-US" sz="2400" b="1" dirty="0" smtClean="0"/>
+              <a:t>“</a:t>
+            </a:r>
+            <a:r>
+              <a:rPr lang="en-US" sz="2400" b="1" dirty="0" smtClean="0"/>
+              <a:t>Rootkit </a:t>
+            </a:r>
+            <a:r>
+              <a:rPr lang="bg-BG" sz="2400" b="1" dirty="0"/>
+              <a:t>– характеристики, предпазване и отстраняване</a:t>
+            </a:r>
+            <a:r>
               <a:rPr lang="en-US" sz="2400" b="1" dirty="0"/>
-              <a:t>Rootkit</a:t>
+              <a:t>”</a:t>
             </a:r>
             <a:endParaRPr lang="bg-BG" sz="2400" dirty="0"/>
           </a:p>
@@ -3742,12 +4021,12 @@
           <a:graphicData uri="http://schemas.openxmlformats.org/presentationml/2006/ole">
             <mc:AlternateContent xmlns:mc="http://schemas.openxmlformats.org/markup-compatibility/2006">
               <mc:Choice xmlns:v="urn:schemas-microsoft-com:vml" Requires="v">
-                <p:oleObj spid="_x0000_s1038" name="Picture" r:id="rId3" imgW="1993392" imgH="2459736" progId="Word.Picture.8">
+                <p:oleObj spid="_x0000_s1264" name="Picture" r:id="rId4" imgW="1993392" imgH="2459736" progId="Word.Picture.8">
                   <p:embed/>
                 </p:oleObj>
               </mc:Choice>
               <mc:Fallback>
-                <p:oleObj name="Picture" r:id="rId3" imgW="1993392" imgH="2459736" progId="Word.Picture.8">
+                <p:oleObj name="Picture" r:id="rId4" imgW="1993392" imgH="2459736" progId="Word.Picture.8">
                   <p:embed/>
                   <p:pic>
                     <p:nvPicPr>
@@ -3758,7 +4037,7 @@
                       <p:nvPr/>
                     </p:nvPicPr>
                     <p:blipFill>
-                      <a:blip r:embed="rId4">
+                      <a:blip r:embed="rId5">
                         <a:extLst>
                           <a:ext uri="{28A0092B-C50C-407E-A947-70E740481C1C}">
                             <a14:useLocalDpi xmlns:a14="http://schemas.microsoft.com/office/drawing/2010/main" val="0"/>
@@ -3824,6 +4103,829 @@
 </p:sld>
 </file>
 
+<file path=ppt/slides/slide10.xml><?xml version="1.0" encoding="utf-8"?>
+<p:sld xmlns:a="http://schemas.openxmlformats.org/drawingml/2006/main" xmlns:r="http://schemas.openxmlformats.org/officeDocument/2006/relationships" xmlns:p="http://schemas.openxmlformats.org/presentationml/2006/main">
+  <p:cSld>
+    <p:spTree>
+      <p:nvGrpSpPr>
+        <p:cNvPr id="1" name=""/>
+        <p:cNvGrpSpPr/>
+        <p:nvPr/>
+      </p:nvGrpSpPr>
+      <p:grpSpPr>
+        <a:xfrm>
+          <a:off x="0" y="0"/>
+          <a:ext cx="0" cy="0"/>
+          <a:chOff x="0" y="0"/>
+          <a:chExt cx="0" cy="0"/>
+        </a:xfrm>
+      </p:grpSpPr>
+      <p:sp>
+        <p:nvSpPr>
+          <p:cNvPr id="2" name="Заглавие 1"/>
+          <p:cNvSpPr>
+            <a:spLocks noGrp="1"/>
+          </p:cNvSpPr>
+          <p:nvPr>
+            <p:ph type="title"/>
+          </p:nvPr>
+        </p:nvSpPr>
+        <p:spPr/>
+        <p:txBody>
+          <a:bodyPr>
+            <a:normAutofit/>
+          </a:bodyPr>
+          <a:lstStyle/>
+          <a:p>
+            <a:r>
+              <a:rPr lang="bg-BG" sz="3600" dirty="0" smtClean="0"/>
+              <a:t>Начини за предпазване</a:t>
+            </a:r>
+            <a:endParaRPr lang="bg-BG" sz="3600" dirty="0"/>
+          </a:p>
+        </p:txBody>
+      </p:sp>
+      <p:sp>
+        <p:nvSpPr>
+          <p:cNvPr id="3" name="Контейнер за съдържание 2"/>
+          <p:cNvSpPr>
+            <a:spLocks noGrp="1"/>
+          </p:cNvSpPr>
+          <p:nvPr>
+            <p:ph idx="1"/>
+          </p:nvPr>
+        </p:nvSpPr>
+        <p:spPr>
+          <a:xfrm>
+            <a:off x="838200" y="1690688"/>
+            <a:ext cx="10515600" cy="4452083"/>
+          </a:xfrm>
+        </p:spPr>
+        <p:txBody>
+          <a:bodyPr>
+            <a:normAutofit/>
+          </a:bodyPr>
+          <a:lstStyle/>
+          <a:p>
+            <a:pPr algn="just"/>
+            <a:r>
+              <a:rPr lang="bg-BG" dirty="0" smtClean="0"/>
+              <a:t>обучение на потребителите</a:t>
+            </a:r>
+            <a:endParaRPr lang="en-US" dirty="0" smtClean="0"/>
+          </a:p>
+          <a:p>
+            <a:pPr algn="just"/>
+            <a:r>
+              <a:rPr lang="bg-BG" dirty="0" smtClean="0"/>
+              <a:t>правене на резервни копия</a:t>
+            </a:r>
+            <a:endParaRPr lang="en-US" dirty="0" smtClean="0"/>
+          </a:p>
+          <a:p>
+            <a:pPr algn="just"/>
+            <a:r>
+              <a:rPr lang="bg-BG" dirty="0" smtClean="0"/>
+              <a:t>използване на по-нови системи, които </a:t>
+            </a:r>
+            <a:endParaRPr lang="en-US" dirty="0" smtClean="0"/>
+          </a:p>
+          <a:p>
+            <a:pPr lvl="1" algn="just"/>
+            <a:r>
+              <a:rPr lang="bg-BG" dirty="0" smtClean="0"/>
+              <a:t>имат </a:t>
+            </a:r>
+            <a:r>
+              <a:rPr lang="en-US" dirty="0" smtClean="0"/>
+              <a:t>UEFI</a:t>
+            </a:r>
+          </a:p>
+          <a:p>
+            <a:pPr lvl="1" algn="just"/>
+            <a:r>
+              <a:rPr lang="bg-BG" dirty="0" smtClean="0"/>
+              <a:t>включване на </a:t>
+            </a:r>
+            <a:r>
+              <a:rPr lang="en-US" dirty="0" smtClean="0"/>
+              <a:t>secure boot</a:t>
+            </a:r>
+            <a:r>
+              <a:rPr lang="bg-BG" dirty="0" smtClean="0"/>
+              <a:t> </a:t>
+            </a:r>
+          </a:p>
+          <a:p>
+            <a:pPr lvl="1" algn="just"/>
+            <a:r>
+              <a:rPr lang="bg-BG" dirty="0" smtClean="0"/>
+              <a:t>налагат задължително цифрово подписване на драйверите</a:t>
+            </a:r>
+            <a:endParaRPr lang="en-US" dirty="0" smtClean="0"/>
+          </a:p>
+          <a:p>
+            <a:pPr algn="just"/>
+            <a:r>
+              <a:rPr lang="bg-BG" dirty="0" smtClean="0"/>
+              <a:t>за по-напреднали потребители, които са готови да жертват функционалност и съвместимост</a:t>
+            </a:r>
+          </a:p>
+          <a:p>
+            <a:pPr lvl="1" algn="just"/>
+            <a:r>
+              <a:rPr lang="en-US" dirty="0" smtClean="0"/>
+              <a:t>Purism </a:t>
+            </a:r>
+            <a:r>
+              <a:rPr lang="en-US" dirty="0" err="1" smtClean="0"/>
+              <a:t>Librem</a:t>
+            </a:r>
+            <a:r>
+              <a:rPr lang="en-US" dirty="0" smtClean="0"/>
+              <a:t> </a:t>
+            </a:r>
+            <a:r>
+              <a:rPr lang="bg-BG" dirty="0" smtClean="0"/>
+              <a:t>лаптопи</a:t>
+            </a:r>
+          </a:p>
+          <a:p>
+            <a:pPr lvl="1" algn="just"/>
+            <a:r>
+              <a:rPr lang="en-US" dirty="0" err="1" smtClean="0"/>
+              <a:t>Qubes</a:t>
+            </a:r>
+            <a:r>
+              <a:rPr lang="en-US" dirty="0" smtClean="0"/>
+              <a:t> OS </a:t>
+            </a:r>
+            <a:r>
+              <a:rPr lang="bg-BG" dirty="0" smtClean="0"/>
+              <a:t>операционна система</a:t>
+            </a:r>
+            <a:endParaRPr lang="en-US" dirty="0"/>
+          </a:p>
+          <a:p>
+            <a:pPr lvl="1" algn="just"/>
+            <a:endParaRPr lang="bg-BG" dirty="0" smtClean="0"/>
+          </a:p>
+        </p:txBody>
+      </p:sp>
+      <p:sp>
+        <p:nvSpPr>
+          <p:cNvPr id="4" name="Контейнер за долния колонтитул 3"/>
+          <p:cNvSpPr>
+            <a:spLocks noGrp="1"/>
+          </p:cNvSpPr>
+          <p:nvPr>
+            <p:ph type="ftr" sz="quarter" idx="11"/>
+          </p:nvPr>
+        </p:nvSpPr>
+        <p:spPr/>
+        <p:txBody>
+          <a:bodyPr/>
+          <a:lstStyle/>
+          <a:p>
+            <a:r>
+              <a:rPr lang="ru-RU" smtClean="0"/>
+              <a:t>СУ „Св. Кл. Охридски“, ФМИ, ЗИКСМ, зимен семестър, 2021/2022г.,  Иван Ивов Чучулски, 4MI3400043</a:t>
+            </a:r>
+            <a:endParaRPr lang="bg-BG"/>
+          </a:p>
+        </p:txBody>
+      </p:sp>
+      <p:sp>
+        <p:nvSpPr>
+          <p:cNvPr id="5" name="Контейнер за номер на слайда 4"/>
+          <p:cNvSpPr>
+            <a:spLocks noGrp="1"/>
+          </p:cNvSpPr>
+          <p:nvPr>
+            <p:ph type="sldNum" sz="quarter" idx="12"/>
+          </p:nvPr>
+        </p:nvSpPr>
+        <p:spPr/>
+        <p:txBody>
+          <a:bodyPr/>
+          <a:lstStyle/>
+          <a:p>
+            <a:fld id="{259F47CD-40EF-4490-8B0C-1C31B8436011}" type="slidenum">
+              <a:rPr lang="bg-BG" smtClean="0"/>
+              <a:t>10</a:t>
+            </a:fld>
+            <a:endParaRPr lang="bg-BG"/>
+          </a:p>
+        </p:txBody>
+      </p:sp>
+    </p:spTree>
+    <p:extLst>
+      <p:ext uri="{BB962C8B-B14F-4D97-AF65-F5344CB8AC3E}">
+        <p14:creationId xmlns:p14="http://schemas.microsoft.com/office/powerpoint/2010/main" val="3944412425"/>
+      </p:ext>
+    </p:extLst>
+  </p:cSld>
+  <p:clrMapOvr>
+    <a:masterClrMapping/>
+  </p:clrMapOvr>
+  <p:timing>
+    <p:tnLst>
+      <p:par>
+        <p:cTn id="1" dur="indefinite" restart="never" nodeType="tmRoot"/>
+      </p:par>
+    </p:tnLst>
+  </p:timing>
+</p:sld>
+</file>
+
+<file path=ppt/slides/slide11.xml><?xml version="1.0" encoding="utf-8"?>
+<p:sld xmlns:a="http://schemas.openxmlformats.org/drawingml/2006/main" xmlns:r="http://schemas.openxmlformats.org/officeDocument/2006/relationships" xmlns:p="http://schemas.openxmlformats.org/presentationml/2006/main">
+  <p:cSld>
+    <p:spTree>
+      <p:nvGrpSpPr>
+        <p:cNvPr id="1" name=""/>
+        <p:cNvGrpSpPr/>
+        <p:nvPr/>
+      </p:nvGrpSpPr>
+      <p:grpSpPr>
+        <a:xfrm>
+          <a:off x="0" y="0"/>
+          <a:ext cx="0" cy="0"/>
+          <a:chOff x="0" y="0"/>
+          <a:chExt cx="0" cy="0"/>
+        </a:xfrm>
+      </p:grpSpPr>
+      <p:sp>
+        <p:nvSpPr>
+          <p:cNvPr id="2" name="Заглавие 1"/>
+          <p:cNvSpPr>
+            <a:spLocks noGrp="1"/>
+          </p:cNvSpPr>
+          <p:nvPr>
+            <p:ph type="title"/>
+          </p:nvPr>
+        </p:nvSpPr>
+        <p:spPr/>
+        <p:txBody>
+          <a:bodyPr/>
+          <a:lstStyle/>
+          <a:p>
+            <a:r>
+              <a:rPr lang="bg-BG" dirty="0" smtClean="0"/>
+              <a:t>Начини за отстраняване</a:t>
+            </a:r>
+            <a:endParaRPr lang="bg-BG" dirty="0"/>
+          </a:p>
+        </p:txBody>
+      </p:sp>
+      <p:sp>
+        <p:nvSpPr>
+          <p:cNvPr id="3" name="Контейнер за съдържание 2"/>
+          <p:cNvSpPr>
+            <a:spLocks noGrp="1"/>
+          </p:cNvSpPr>
+          <p:nvPr>
+            <p:ph idx="1"/>
+          </p:nvPr>
+        </p:nvSpPr>
+        <p:spPr/>
+        <p:txBody>
+          <a:bodyPr/>
+          <a:lstStyle/>
+          <a:p>
+            <a:pPr algn="just"/>
+            <a:r>
+              <a:rPr lang="bg-BG" dirty="0" smtClean="0"/>
+              <a:t>използване на инструменти, които използват техниките на </a:t>
+            </a:r>
+            <a:r>
+              <a:rPr lang="en-US" dirty="0" smtClean="0"/>
+              <a:t>rootkit</a:t>
+            </a:r>
+            <a:r>
+              <a:rPr lang="bg-BG" dirty="0" smtClean="0"/>
+              <a:t> програмите срещу тях</a:t>
+            </a:r>
+            <a:endParaRPr lang="en-US" dirty="0" smtClean="0"/>
+          </a:p>
+          <a:p>
+            <a:pPr lvl="1" algn="just"/>
+            <a:r>
+              <a:rPr lang="en-US" dirty="0"/>
+              <a:t>ELAM </a:t>
+            </a:r>
+            <a:r>
+              <a:rPr lang="bg-BG" dirty="0"/>
+              <a:t>(</a:t>
+            </a:r>
+            <a:r>
+              <a:rPr lang="en-US" dirty="0"/>
+              <a:t>Early Launch </a:t>
+            </a:r>
+            <a:r>
+              <a:rPr lang="en-US" dirty="0" err="1"/>
+              <a:t>AntiMalware</a:t>
+            </a:r>
+            <a:r>
+              <a:rPr lang="en-US" dirty="0"/>
+              <a:t>)</a:t>
+            </a:r>
+            <a:r>
+              <a:rPr lang="bg-BG" dirty="0"/>
+              <a:t> драйвер</a:t>
+            </a:r>
+            <a:endParaRPr lang="en-US" dirty="0" smtClean="0"/>
+          </a:p>
+          <a:p>
+            <a:pPr algn="just"/>
+            <a:r>
+              <a:rPr lang="bg-BG" dirty="0" smtClean="0"/>
+              <a:t>сканиране при стартиране</a:t>
+            </a:r>
+          </a:p>
+          <a:p>
+            <a:pPr lvl="1" algn="just"/>
+            <a:r>
+              <a:rPr lang="bg-BG" dirty="0" smtClean="0"/>
+              <a:t>сканиране на </a:t>
+            </a:r>
+            <a:r>
+              <a:rPr lang="en-US" dirty="0" smtClean="0"/>
+              <a:t>firmware</a:t>
+            </a:r>
+            <a:endParaRPr lang="bg-BG" dirty="0" smtClean="0"/>
+          </a:p>
+          <a:p>
+            <a:pPr algn="just"/>
+            <a:r>
+              <a:rPr lang="en-US" dirty="0" smtClean="0"/>
+              <a:t>Kaspersky TDSS Killer</a:t>
+            </a:r>
+          </a:p>
+          <a:p>
+            <a:pPr algn="just"/>
+            <a:r>
+              <a:rPr lang="en-US" dirty="0" smtClean="0"/>
+              <a:t>Avast free antivirus</a:t>
+            </a:r>
+            <a:endParaRPr lang="bg-BG" dirty="0" smtClean="0"/>
+          </a:p>
+          <a:p>
+            <a:pPr algn="just"/>
+            <a:endParaRPr lang="bg-BG" dirty="0" smtClean="0"/>
+          </a:p>
+          <a:p>
+            <a:pPr algn="just"/>
+            <a:endParaRPr lang="bg-BG" dirty="0"/>
+          </a:p>
+        </p:txBody>
+      </p:sp>
+      <p:sp>
+        <p:nvSpPr>
+          <p:cNvPr id="4" name="Контейнер за долния колонтитул 3"/>
+          <p:cNvSpPr>
+            <a:spLocks noGrp="1"/>
+          </p:cNvSpPr>
+          <p:nvPr>
+            <p:ph type="ftr" sz="quarter" idx="11"/>
+          </p:nvPr>
+        </p:nvSpPr>
+        <p:spPr/>
+        <p:txBody>
+          <a:bodyPr/>
+          <a:lstStyle/>
+          <a:p>
+            <a:r>
+              <a:rPr lang="ru-RU" smtClean="0"/>
+              <a:t>СУ „Св. Кл. Охридски“, ФМИ, ЗИКСМ, зимен семестър, 2021/2022г.,  Иван Ивов Чучулски, 4MI3400043</a:t>
+            </a:r>
+            <a:endParaRPr lang="bg-BG"/>
+          </a:p>
+        </p:txBody>
+      </p:sp>
+      <p:sp>
+        <p:nvSpPr>
+          <p:cNvPr id="5" name="Контейнер за номер на слайда 4"/>
+          <p:cNvSpPr>
+            <a:spLocks noGrp="1"/>
+          </p:cNvSpPr>
+          <p:nvPr>
+            <p:ph type="sldNum" sz="quarter" idx="12"/>
+          </p:nvPr>
+        </p:nvSpPr>
+        <p:spPr/>
+        <p:txBody>
+          <a:bodyPr/>
+          <a:lstStyle/>
+          <a:p>
+            <a:fld id="{259F47CD-40EF-4490-8B0C-1C31B8436011}" type="slidenum">
+              <a:rPr lang="bg-BG" smtClean="0"/>
+              <a:t>11</a:t>
+            </a:fld>
+            <a:endParaRPr lang="bg-BG"/>
+          </a:p>
+        </p:txBody>
+      </p:sp>
+    </p:spTree>
+    <p:extLst>
+      <p:ext uri="{BB962C8B-B14F-4D97-AF65-F5344CB8AC3E}">
+        <p14:creationId xmlns:p14="http://schemas.microsoft.com/office/powerpoint/2010/main" val="488632660"/>
+      </p:ext>
+    </p:extLst>
+  </p:cSld>
+  <p:clrMapOvr>
+    <a:masterClrMapping/>
+  </p:clrMapOvr>
+  <p:timing>
+    <p:tnLst>
+      <p:par>
+        <p:cTn id="1" dur="indefinite" restart="never" nodeType="tmRoot"/>
+      </p:par>
+    </p:tnLst>
+  </p:timing>
+</p:sld>
+</file>
+
+<file path=ppt/slides/slide12.xml><?xml version="1.0" encoding="utf-8"?>
+<p:sld xmlns:a="http://schemas.openxmlformats.org/drawingml/2006/main" xmlns:r="http://schemas.openxmlformats.org/officeDocument/2006/relationships" xmlns:p="http://schemas.openxmlformats.org/presentationml/2006/main">
+  <p:cSld>
+    <p:spTree>
+      <p:nvGrpSpPr>
+        <p:cNvPr id="1" name=""/>
+        <p:cNvGrpSpPr/>
+        <p:nvPr/>
+      </p:nvGrpSpPr>
+      <p:grpSpPr>
+        <a:xfrm>
+          <a:off x="0" y="0"/>
+          <a:ext cx="0" cy="0"/>
+          <a:chOff x="0" y="0"/>
+          <a:chExt cx="0" cy="0"/>
+        </a:xfrm>
+      </p:grpSpPr>
+      <p:sp>
+        <p:nvSpPr>
+          <p:cNvPr id="2" name="Заглавие 1"/>
+          <p:cNvSpPr>
+            <a:spLocks noGrp="1"/>
+          </p:cNvSpPr>
+          <p:nvPr>
+            <p:ph type="title"/>
+          </p:nvPr>
+        </p:nvSpPr>
+        <p:spPr/>
+        <p:txBody>
+          <a:bodyPr>
+            <a:normAutofit/>
+          </a:bodyPr>
+          <a:lstStyle/>
+          <a:p>
+            <a:r>
+              <a:rPr lang="bg-BG" sz="4000" dirty="0" smtClean="0"/>
+              <a:t>Примерна архитектура на </a:t>
+            </a:r>
+            <a:r>
+              <a:rPr lang="en-US" sz="4000" dirty="0" smtClean="0"/>
+              <a:t>anti-rootkit</a:t>
+            </a:r>
+            <a:r>
+              <a:rPr lang="bg-BG" sz="4000" dirty="0" smtClean="0"/>
+              <a:t> програма</a:t>
+            </a:r>
+            <a:endParaRPr lang="bg-BG" sz="4000" dirty="0"/>
+          </a:p>
+        </p:txBody>
+      </p:sp>
+      <p:sp>
+        <p:nvSpPr>
+          <p:cNvPr id="4" name="Контейнер за долния колонтитул 3"/>
+          <p:cNvSpPr>
+            <a:spLocks noGrp="1"/>
+          </p:cNvSpPr>
+          <p:nvPr>
+            <p:ph type="ftr" sz="quarter" idx="11"/>
+          </p:nvPr>
+        </p:nvSpPr>
+        <p:spPr/>
+        <p:txBody>
+          <a:bodyPr/>
+          <a:lstStyle/>
+          <a:p>
+            <a:r>
+              <a:rPr lang="ru-RU" smtClean="0"/>
+              <a:t>СУ „Св. Кл. Охридски“, ФМИ, ЗИКСМ, зимен семестър, 2021/2022г.,  Иван Ивов Чучулски, 4MI3400043</a:t>
+            </a:r>
+            <a:endParaRPr lang="bg-BG"/>
+          </a:p>
+        </p:txBody>
+      </p:sp>
+      <p:sp>
+        <p:nvSpPr>
+          <p:cNvPr id="5" name="Контейнер за номер на слайда 4"/>
+          <p:cNvSpPr>
+            <a:spLocks noGrp="1"/>
+          </p:cNvSpPr>
+          <p:nvPr>
+            <p:ph type="sldNum" sz="quarter" idx="12"/>
+          </p:nvPr>
+        </p:nvSpPr>
+        <p:spPr/>
+        <p:txBody>
+          <a:bodyPr/>
+          <a:lstStyle/>
+          <a:p>
+            <a:fld id="{259F47CD-40EF-4490-8B0C-1C31B8436011}" type="slidenum">
+              <a:rPr lang="bg-BG" smtClean="0"/>
+              <a:t>12</a:t>
+            </a:fld>
+            <a:endParaRPr lang="bg-BG"/>
+          </a:p>
+        </p:txBody>
+      </p:sp>
+      <p:pic>
+        <p:nvPicPr>
+          <p:cNvPr id="6" name="Картина 5"/>
+          <p:cNvPicPr>
+            <a:picLocks noChangeAspect="1"/>
+          </p:cNvPicPr>
+          <p:nvPr/>
+        </p:nvPicPr>
+        <p:blipFill>
+          <a:blip r:embed="rId2">
+            <a:extLst>
+              <a:ext uri="{28A0092B-C50C-407E-A947-70E740481C1C}">
+                <a14:useLocalDpi xmlns:a14="http://schemas.microsoft.com/office/drawing/2010/main" val="0"/>
+              </a:ext>
+            </a:extLst>
+          </a:blip>
+          <a:stretch>
+            <a:fillRect/>
+          </a:stretch>
+        </p:blipFill>
+        <p:spPr>
+          <a:xfrm>
+            <a:off x="2436385" y="1629142"/>
+            <a:ext cx="7319229" cy="4448386"/>
+          </a:xfrm>
+          <a:prstGeom prst="rect">
+            <a:avLst/>
+          </a:prstGeom>
+        </p:spPr>
+      </p:pic>
+    </p:spTree>
+    <p:extLst>
+      <p:ext uri="{BB962C8B-B14F-4D97-AF65-F5344CB8AC3E}">
+        <p14:creationId xmlns:p14="http://schemas.microsoft.com/office/powerpoint/2010/main" val="2287850809"/>
+      </p:ext>
+    </p:extLst>
+  </p:cSld>
+  <p:clrMapOvr>
+    <a:masterClrMapping/>
+  </p:clrMapOvr>
+  <p:timing>
+    <p:tnLst>
+      <p:par>
+        <p:cTn id="1" dur="indefinite" restart="never" nodeType="tmRoot"/>
+      </p:par>
+    </p:tnLst>
+  </p:timing>
+</p:sld>
+</file>
+
+<file path=ppt/slides/slide13.xml><?xml version="1.0" encoding="utf-8"?>
+<p:sld xmlns:a="http://schemas.openxmlformats.org/drawingml/2006/main" xmlns:r="http://schemas.openxmlformats.org/officeDocument/2006/relationships" xmlns:p="http://schemas.openxmlformats.org/presentationml/2006/main">
+  <p:cSld>
+    <p:spTree>
+      <p:nvGrpSpPr>
+        <p:cNvPr id="1" name=""/>
+        <p:cNvGrpSpPr/>
+        <p:nvPr/>
+      </p:nvGrpSpPr>
+      <p:grpSpPr>
+        <a:xfrm>
+          <a:off x="0" y="0"/>
+          <a:ext cx="0" cy="0"/>
+          <a:chOff x="0" y="0"/>
+          <a:chExt cx="0" cy="0"/>
+        </a:xfrm>
+      </p:grpSpPr>
+      <p:sp>
+        <p:nvSpPr>
+          <p:cNvPr id="2" name="Заглавие 1"/>
+          <p:cNvSpPr>
+            <a:spLocks noGrp="1"/>
+          </p:cNvSpPr>
+          <p:nvPr>
+            <p:ph type="title"/>
+          </p:nvPr>
+        </p:nvSpPr>
+        <p:spPr/>
+        <p:txBody>
+          <a:bodyPr/>
+          <a:lstStyle/>
+          <a:p>
+            <a:r>
+              <a:rPr lang="bg-BG" dirty="0" smtClean="0"/>
+              <a:t>Литература</a:t>
+            </a:r>
+            <a:endParaRPr lang="bg-BG" dirty="0"/>
+          </a:p>
+        </p:txBody>
+      </p:sp>
+      <p:sp>
+        <p:nvSpPr>
+          <p:cNvPr id="3" name="Контейнер за съдържание 2"/>
+          <p:cNvSpPr>
+            <a:spLocks noGrp="1"/>
+          </p:cNvSpPr>
+          <p:nvPr>
+            <p:ph idx="1"/>
+          </p:nvPr>
+        </p:nvSpPr>
+        <p:spPr/>
+        <p:txBody>
+          <a:bodyPr>
+            <a:normAutofit/>
+          </a:bodyPr>
+          <a:lstStyle/>
+          <a:p>
+            <a:r>
+              <a:rPr lang="en-US" sz="1800" dirty="0">
+                <a:hlinkClick r:id="rId2"/>
+              </a:rPr>
+              <a:t>https://www.avast.com/c-rootkit</a:t>
+            </a:r>
+          </a:p>
+          <a:p>
+            <a:r>
+              <a:rPr lang="en-US" sz="1800" dirty="0" smtClean="0">
+                <a:hlinkClick r:id="rId2"/>
+              </a:rPr>
+              <a:t>https</a:t>
+            </a:r>
+            <a:r>
+              <a:rPr lang="en-US" sz="1800" dirty="0">
+                <a:hlinkClick r:id="rId2"/>
+              </a:rPr>
+              <a:t>://securelist.com/rootkit-evolution/36222</a:t>
+            </a:r>
+            <a:r>
+              <a:rPr lang="en-US" sz="1800" dirty="0" smtClean="0">
+                <a:hlinkClick r:id="rId2"/>
+              </a:rPr>
+              <a:t>/</a:t>
+            </a:r>
+            <a:endParaRPr lang="en-US" sz="1800" dirty="0" smtClean="0"/>
+          </a:p>
+          <a:p>
+            <a:r>
+              <a:rPr lang="en-US" sz="1800" dirty="0"/>
+              <a:t>https://web.archive.org/web/20101214100124/http://www.symantec.com/avcenter/reference/windows.rootkit.overview.pdf</a:t>
+            </a:r>
+            <a:endParaRPr lang="en-US" sz="1800" dirty="0" smtClean="0"/>
+          </a:p>
+          <a:p>
+            <a:r>
+              <a:rPr lang="en-US" sz="1800" dirty="0">
+                <a:hlinkClick r:id="rId3"/>
+              </a:rPr>
+              <a:t>https://www.welivesecurity.com/2013/03/25/carberp-the-never-ending-story</a:t>
+            </a:r>
+            <a:r>
+              <a:rPr lang="en-US" sz="1800" dirty="0" smtClean="0">
+                <a:hlinkClick r:id="rId3"/>
+              </a:rPr>
+              <a:t>/</a:t>
+            </a:r>
+            <a:endParaRPr lang="en-US" sz="1800" dirty="0" smtClean="0"/>
+          </a:p>
+          <a:p>
+            <a:r>
+              <a:rPr lang="en-US" sz="1800" dirty="0">
+                <a:hlinkClick r:id="rId4"/>
+              </a:rPr>
+              <a:t>https://</a:t>
+            </a:r>
+            <a:r>
+              <a:rPr lang="en-US" sz="1800" dirty="0" smtClean="0">
+                <a:hlinkClick r:id="rId4"/>
+              </a:rPr>
+              <a:t>blog.invisiblethings.org/2006/06/22/introducing-blue-pill.html</a:t>
+            </a:r>
+            <a:endParaRPr lang="en-US" sz="1800" dirty="0" smtClean="0"/>
+          </a:p>
+          <a:p>
+            <a:r>
+              <a:rPr lang="en-US" sz="1800" dirty="0"/>
+              <a:t>https://www.blackhat.com/docs/asia-17/materials/asia-17-Matrosov-The-UEFI-Firmware-Rootkits-Myths-And-Reality.pdf</a:t>
+            </a:r>
+            <a:endParaRPr lang="bg-BG" sz="1800" dirty="0" smtClean="0"/>
+          </a:p>
+          <a:p>
+            <a:r>
+              <a:rPr lang="en-US" sz="1800" dirty="0">
+                <a:hlinkClick r:id="rId5"/>
+              </a:rPr>
+              <a:t>https://</a:t>
+            </a:r>
+            <a:r>
+              <a:rPr lang="en-US" sz="1800" dirty="0" smtClean="0">
+                <a:hlinkClick r:id="rId5"/>
+              </a:rPr>
+              <a:t>www.netscout.com/blog/asert/lojack-becomes-double-agent</a:t>
+            </a:r>
+            <a:endParaRPr lang="en-US" sz="1800" dirty="0" smtClean="0"/>
+          </a:p>
+          <a:p>
+            <a:r>
+              <a:rPr lang="en-US" sz="1800" dirty="0">
+                <a:hlinkClick r:id="rId6"/>
+              </a:rPr>
+              <a:t>https://</a:t>
+            </a:r>
+            <a:r>
+              <a:rPr lang="en-US" sz="1800" dirty="0" smtClean="0">
+                <a:hlinkClick r:id="rId6"/>
+              </a:rPr>
+              <a:t>www.kaspersky.com/enterprise-security/wiki-section/products/anti-rootkit-and-remediation-technology</a:t>
+            </a:r>
+            <a:endParaRPr lang="en-US" sz="1800" dirty="0" smtClean="0"/>
+          </a:p>
+          <a:p>
+            <a:r>
+              <a:rPr lang="en-US" sz="1800" dirty="0"/>
+              <a:t>https://support.avast.com/en-in/article/Antivirus-Boot-time-Scan</a:t>
+            </a:r>
+            <a:endParaRPr lang="bg-BG" sz="1800" dirty="0"/>
+          </a:p>
+        </p:txBody>
+      </p:sp>
+      <p:sp>
+        <p:nvSpPr>
+          <p:cNvPr id="4" name="Контейнер за долния колонтитул 3"/>
+          <p:cNvSpPr>
+            <a:spLocks noGrp="1"/>
+          </p:cNvSpPr>
+          <p:nvPr>
+            <p:ph type="ftr" sz="quarter" idx="11"/>
+          </p:nvPr>
+        </p:nvSpPr>
+        <p:spPr/>
+        <p:txBody>
+          <a:bodyPr/>
+          <a:lstStyle/>
+          <a:p>
+            <a:r>
+              <a:rPr lang="ru-RU" smtClean="0"/>
+              <a:t>СУ „Св. Кл. Охридски“, ФМИ, ЗИКСМ, зимен семестър, 2021/2022г.,  Иван Ивов Чучулски, 4MI3400043</a:t>
+            </a:r>
+            <a:endParaRPr lang="bg-BG"/>
+          </a:p>
+        </p:txBody>
+      </p:sp>
+      <p:sp>
+        <p:nvSpPr>
+          <p:cNvPr id="5" name="Контейнер за номер на слайда 4"/>
+          <p:cNvSpPr>
+            <a:spLocks noGrp="1"/>
+          </p:cNvSpPr>
+          <p:nvPr>
+            <p:ph type="sldNum" sz="quarter" idx="12"/>
+          </p:nvPr>
+        </p:nvSpPr>
+        <p:spPr/>
+        <p:txBody>
+          <a:bodyPr/>
+          <a:lstStyle/>
+          <a:p>
+            <a:fld id="{259F47CD-40EF-4490-8B0C-1C31B8436011}" type="slidenum">
+              <a:rPr lang="bg-BG" smtClean="0"/>
+              <a:t>13</a:t>
+            </a:fld>
+            <a:endParaRPr lang="bg-BG"/>
+          </a:p>
+        </p:txBody>
+      </p:sp>
+    </p:spTree>
+    <p:extLst>
+      <p:ext uri="{BB962C8B-B14F-4D97-AF65-F5344CB8AC3E}">
+        <p14:creationId xmlns:p14="http://schemas.microsoft.com/office/powerpoint/2010/main" val="1434647209"/>
+      </p:ext>
+    </p:extLst>
+  </p:cSld>
+  <p:clrMapOvr>
+    <a:masterClrMapping/>
+  </p:clrMapOvr>
+  <p:timing>
+    <p:tnLst>
+      <p:par>
+        <p:cTn id="1" dur="indefinite" restart="never" nodeType="tmRoot"/>
+      </p:par>
+    </p:tnLst>
+  </p:timing>
+</p:sld>
+</file>
+
 <file path=ppt/slides/slide2.xml><?xml version="1.0" encoding="utf-8"?>
 <p:sld xmlns:a="http://schemas.openxmlformats.org/drawingml/2006/main" xmlns:r="http://schemas.openxmlformats.org/officeDocument/2006/relationships" xmlns:p="http://schemas.openxmlformats.org/presentationml/2006/main">
   <p:cSld>
@@ -3851,7 +4953,12 @@
             <p:ph type="title"/>
           </p:nvPr>
         </p:nvSpPr>
-        <p:spPr/>
+        <p:spPr>
+          <a:xfrm>
+            <a:off x="838200" y="66186"/>
+            <a:ext cx="10515600" cy="1325563"/>
+          </a:xfrm>
+        </p:spPr>
         <p:txBody>
           <a:bodyPr/>
           <a:lstStyle/>
@@ -3874,11 +4981,143 @@
             <p:ph idx="1"/>
           </p:nvPr>
         </p:nvSpPr>
-        <p:spPr/>
-        <p:txBody>
-          <a:bodyPr/>
-          <a:lstStyle/>
-          <a:p>
+        <p:spPr>
+          <a:xfrm>
+            <a:off x="838200" y="1306879"/>
+            <a:ext cx="10515600" cy="4900490"/>
+          </a:xfrm>
+        </p:spPr>
+        <p:txBody>
+          <a:bodyPr>
+            <a:normAutofit lnSpcReduction="10000"/>
+          </a:bodyPr>
+          <a:lstStyle/>
+          <a:p>
+            <a:pPr algn="just"/>
+            <a:r>
+              <a:rPr lang="bg-BG" dirty="0" smtClean="0"/>
+              <a:t>Дефиниция на </a:t>
+            </a:r>
+            <a:r>
+              <a:rPr lang="en-US" dirty="0" smtClean="0"/>
+              <a:t>rootkit</a:t>
+            </a:r>
+          </a:p>
+          <a:p>
+            <a:pPr algn="just"/>
+            <a:r>
+              <a:rPr lang="bg-BG" dirty="0" smtClean="0"/>
+              <a:t>История на </a:t>
+            </a:r>
+            <a:r>
+              <a:rPr lang="en-US" dirty="0" smtClean="0"/>
+              <a:t>rootkit</a:t>
+            </a:r>
+          </a:p>
+          <a:p>
+            <a:pPr algn="just"/>
+            <a:r>
+              <a:rPr lang="bg-BG" dirty="0" smtClean="0"/>
+              <a:t>Слоеве на привилегированост</a:t>
+            </a:r>
+          </a:p>
+          <a:p>
+            <a:pPr algn="just"/>
+            <a:r>
+              <a:rPr lang="en-US" dirty="0"/>
+              <a:t>Rootkit </a:t>
+            </a:r>
+            <a:r>
+              <a:rPr lang="bg-BG" dirty="0"/>
+              <a:t>в слоя на </a:t>
+            </a:r>
+            <a:r>
+              <a:rPr lang="bg-BG" dirty="0" smtClean="0"/>
+              <a:t>приложенията</a:t>
+            </a:r>
+          </a:p>
+          <a:p>
+            <a:pPr algn="just"/>
+            <a:r>
+              <a:rPr lang="en-US" dirty="0"/>
+              <a:t>Rootkit </a:t>
+            </a:r>
+            <a:r>
+              <a:rPr lang="bg-BG" dirty="0"/>
+              <a:t>в слоя на системните драйвери и </a:t>
+            </a:r>
+            <a:r>
+              <a:rPr lang="bg-BG" dirty="0" smtClean="0"/>
+              <a:t>ядрото</a:t>
+            </a:r>
+          </a:p>
+          <a:p>
+            <a:pPr algn="just"/>
+            <a:r>
+              <a:rPr lang="en-US" dirty="0"/>
+              <a:t>Rootkit </a:t>
+            </a:r>
+            <a:r>
+              <a:rPr lang="bg-BG" dirty="0"/>
+              <a:t>във виртуализационния </a:t>
+            </a:r>
+            <a:r>
+              <a:rPr lang="bg-BG" dirty="0" smtClean="0"/>
+              <a:t>слой</a:t>
+            </a:r>
+          </a:p>
+          <a:p>
+            <a:pPr algn="just"/>
+            <a:r>
+              <a:rPr lang="en-US" dirty="0"/>
+              <a:t>Rootkit </a:t>
+            </a:r>
+            <a:r>
+              <a:rPr lang="bg-BG" dirty="0"/>
+              <a:t>във </a:t>
+            </a:r>
+            <a:r>
+              <a:rPr lang="en-US" dirty="0" smtClean="0"/>
+              <a:t>firmware</a:t>
+            </a:r>
+            <a:endParaRPr lang="bg-BG" dirty="0" smtClean="0"/>
+          </a:p>
+          <a:p>
+            <a:pPr algn="just"/>
+            <a:r>
+              <a:rPr lang="bg-BG" dirty="0"/>
+              <a:t>Начини за предпазване, откриване и </a:t>
+            </a:r>
+            <a:r>
+              <a:rPr lang="bg-BG" dirty="0" smtClean="0"/>
+              <a:t>отстраняване</a:t>
+            </a:r>
+          </a:p>
+          <a:p>
+            <a:pPr algn="just"/>
+            <a:r>
+              <a:rPr lang="bg-BG" dirty="0"/>
+              <a:t>Начини за </a:t>
+            </a:r>
+            <a:r>
+              <a:rPr lang="bg-BG" dirty="0" smtClean="0"/>
+              <a:t>отстраняване</a:t>
+            </a:r>
+          </a:p>
+          <a:p>
+            <a:pPr algn="just"/>
+            <a:r>
+              <a:rPr lang="bg-BG" dirty="0"/>
+              <a:t>Примерна архитектура на </a:t>
+            </a:r>
+            <a:r>
+              <a:rPr lang="en-US" dirty="0"/>
+              <a:t>anti-rootkit</a:t>
+            </a:r>
+            <a:r>
+              <a:rPr lang="bg-BG" dirty="0"/>
+              <a:t> програма</a:t>
+            </a:r>
             <a:endParaRPr lang="bg-BG" dirty="0"/>
           </a:p>
         </p:txBody>
@@ -3971,6 +5210,13 @@
   <p:clrMapOvr>
     <a:masterClrMapping/>
   </p:clrMapOvr>
+  <p:timing>
+    <p:tnLst>
+      <p:par>
+        <p:cTn id="1" dur="indefinite" restart="never" nodeType="tmRoot"/>
+      </p:par>
+    </p:tnLst>
+  </p:timing>
 </p:sld>
 </file>
 
@@ -4006,7 +5252,15 @@
           <a:bodyPr/>
           <a:lstStyle/>
           <a:p>
-            <a:endParaRPr lang="bg-BG"/>
+            <a:r>
+              <a:rPr lang="bg-BG" dirty="0" smtClean="0"/>
+              <a:t>Дефиниция на </a:t>
+            </a:r>
+            <a:r>
+              <a:rPr lang="en-US" dirty="0" smtClean="0"/>
+              <a:t>rootkit</a:t>
+            </a:r>
+            <a:endParaRPr lang="bg-BG" dirty="0"/>
           </a:p>
         </p:txBody>
       </p:sp>
@@ -4020,12 +5274,66 @@
             <p:ph idx="1"/>
           </p:nvPr>
         </p:nvSpPr>
-        <p:spPr/>
-        <p:txBody>
-          <a:bodyPr/>
-          <a:lstStyle/>
-          <a:p>
-            <a:endParaRPr lang="bg-BG"/>
+        <p:spPr>
+          <a:xfrm>
+            <a:off x="838200" y="1825625"/>
+            <a:ext cx="10515600" cy="4351338"/>
+          </a:xfrm>
+        </p:spPr>
+        <p:txBody>
+          <a:bodyPr/>
+          <a:lstStyle/>
+          <a:p>
+            <a:pPr algn="just"/>
+            <a:r>
+              <a:rPr lang="bg-BG" dirty="0"/>
+              <a:t>н</a:t>
+            </a:r>
+            <a:r>
+              <a:rPr lang="bg-BG" dirty="0" smtClean="0"/>
+              <a:t>абор от софтуерни програми, които спомагат за п</a:t>
+            </a:r>
+            <a:r>
+              <a:rPr lang="bg-BG" dirty="0" smtClean="0"/>
+              <a:t>редоставяне на постояненна и скрит неоторизиран привилегирован достъп до машината на жертвата</a:t>
+            </a:r>
+          </a:p>
+          <a:p>
+            <a:pPr algn="just"/>
+            <a:r>
+              <a:rPr lang="bg-BG" dirty="0" smtClean="0"/>
+              <a:t>целят да останат задълго в системата, прикривайки дейността си</a:t>
+            </a:r>
+          </a:p>
+          <a:p>
+            <a:pPr algn="just"/>
+            <a:r>
+              <a:rPr lang="bg-BG" dirty="0" smtClean="0"/>
+              <a:t>помещават се в </a:t>
+            </a:r>
+            <a:r>
+              <a:rPr lang="bg-BG" dirty="0"/>
+              <a:t>региони от </a:t>
+            </a:r>
+            <a:r>
+              <a:rPr lang="bg-BG" dirty="0" smtClean="0"/>
+              <a:t>оперативната </a:t>
+            </a:r>
+            <a:r>
+              <a:rPr lang="bg-BG" dirty="0"/>
+              <a:t>и постоянна </a:t>
+            </a:r>
+            <a:r>
+              <a:rPr lang="bg-BG" dirty="0" smtClean="0"/>
+              <a:t>памет, където антивирусните програми имат затруднен достъп</a:t>
+            </a:r>
+            <a:endParaRPr lang="bg-BG" dirty="0"/>
+          </a:p>
+          <a:p>
+            <a:pPr marL="0" indent="0" algn="just">
+              <a:buNone/>
+            </a:pPr>
+            <a:endParaRPr lang="bg-BG" dirty="0"/>
           </a:p>
         </p:txBody>
       </p:sp>
@@ -4085,6 +5393,1528 @@
   <p:clrMapOvr>
     <a:masterClrMapping/>
   </p:clrMapOvr>
+  <p:timing>
+    <p:tnLst>
+      <p:par>
+        <p:cTn id="1" dur="indefinite" restart="never" nodeType="tmRoot"/>
+      </p:par>
+    </p:tnLst>
+  </p:timing>
+</p:sld>
+</file>
+
+<file path=ppt/slides/slide4.xml><?xml version="1.0" encoding="utf-8"?>
+<p:sld xmlns:a="http://schemas.openxmlformats.org/drawingml/2006/main" xmlns:r="http://schemas.openxmlformats.org/officeDocument/2006/relationships" xmlns:p="http://schemas.openxmlformats.org/presentationml/2006/main">
+  <p:cSld>
+    <p:spTree>
+      <p:nvGrpSpPr>
+        <p:cNvPr id="1" name=""/>
+        <p:cNvGrpSpPr/>
+        <p:nvPr/>
+      </p:nvGrpSpPr>
+      <p:grpSpPr>
+        <a:xfrm>
+          <a:off x="0" y="0"/>
+          <a:ext cx="0" cy="0"/>
+          <a:chOff x="0" y="0"/>
+          <a:chExt cx="0" cy="0"/>
+        </a:xfrm>
+      </p:grpSpPr>
+      <p:sp>
+        <p:nvSpPr>
+          <p:cNvPr id="2" name="Заглавие 1"/>
+          <p:cNvSpPr>
+            <a:spLocks noGrp="1"/>
+          </p:cNvSpPr>
+          <p:nvPr>
+            <p:ph type="title"/>
+          </p:nvPr>
+        </p:nvSpPr>
+        <p:spPr/>
+        <p:txBody>
+          <a:bodyPr/>
+          <a:lstStyle/>
+          <a:p>
+            <a:r>
+              <a:rPr lang="bg-BG" dirty="0" smtClean="0"/>
+              <a:t>История на </a:t>
+            </a:r>
+            <a:r>
+              <a:rPr lang="en-US" dirty="0" smtClean="0"/>
+              <a:t>rootkit</a:t>
+            </a:r>
+            <a:endParaRPr lang="bg-BG" dirty="0"/>
+          </a:p>
+        </p:txBody>
+      </p:sp>
+      <p:sp>
+        <p:nvSpPr>
+          <p:cNvPr id="3" name="Контейнер за съдържание 2"/>
+          <p:cNvSpPr>
+            <a:spLocks noGrp="1"/>
+          </p:cNvSpPr>
+          <p:nvPr>
+            <p:ph idx="1"/>
+          </p:nvPr>
+        </p:nvSpPr>
+        <p:spPr>
+          <a:xfrm>
+            <a:off x="838199" y="1825625"/>
+            <a:ext cx="10648407" cy="4351338"/>
+          </a:xfrm>
+        </p:spPr>
+        <p:txBody>
+          <a:bodyPr>
+            <a:normAutofit lnSpcReduction="10000"/>
+          </a:bodyPr>
+          <a:lstStyle/>
+          <a:p>
+            <a:pPr algn="just"/>
+            <a:r>
+              <a:rPr lang="bg-BG" dirty="0" smtClean="0"/>
+              <a:t>началото на 90-те : първи успешни опити за постигане на </a:t>
+            </a:r>
+            <a:r>
+              <a:rPr lang="en-US" dirty="0" smtClean="0"/>
+              <a:t>root </a:t>
+            </a:r>
+            <a:r>
+              <a:rPr lang="bg-BG" dirty="0" smtClean="0"/>
+              <a:t>в </a:t>
+            </a:r>
+            <a:r>
+              <a:rPr lang="en-US" dirty="0" smtClean="0"/>
+              <a:t>Unix </a:t>
+            </a:r>
+            <a:r>
+              <a:rPr lang="bg-BG" dirty="0" smtClean="0"/>
+              <a:t>базирани системи</a:t>
+            </a:r>
+          </a:p>
+          <a:p>
+            <a:pPr algn="just"/>
+            <a:r>
+              <a:rPr lang="bg-BG" dirty="0" smtClean="0"/>
+              <a:t>1999г. : </a:t>
+            </a:r>
+            <a:r>
+              <a:rPr lang="en-US" dirty="0" smtClean="0"/>
+              <a:t>“NTRootkit”</a:t>
+            </a:r>
+            <a:r>
+              <a:rPr lang="bg-BG" dirty="0" smtClean="0"/>
+              <a:t>,</a:t>
+            </a:r>
+            <a:r>
+              <a:rPr lang="en-US" dirty="0" smtClean="0"/>
+              <a:t> </a:t>
+            </a:r>
+            <a:r>
+              <a:rPr lang="bg-BG" dirty="0" smtClean="0"/>
+              <a:t> </a:t>
+            </a:r>
+            <a:r>
+              <a:rPr lang="en-US" dirty="0"/>
+              <a:t>Greg </a:t>
+            </a:r>
+            <a:r>
+              <a:rPr lang="en-US" dirty="0" smtClean="0"/>
+              <a:t>Hoglund</a:t>
+            </a:r>
+            <a:r>
+              <a:rPr lang="bg-BG" dirty="0" smtClean="0"/>
+              <a:t> </a:t>
+            </a:r>
+            <a:r>
+              <a:rPr lang="en-US" dirty="0" smtClean="0"/>
+              <a:t> </a:t>
+            </a:r>
+            <a:r>
+              <a:rPr lang="bg-BG" dirty="0" smtClean="0"/>
+              <a:t>за </a:t>
+            </a:r>
+            <a:r>
+              <a:rPr lang="en-US" dirty="0" smtClean="0"/>
+              <a:t>Windows NT</a:t>
+            </a:r>
+            <a:r>
+              <a:rPr lang="bg-BG" dirty="0" smtClean="0"/>
+              <a:t>, демонстративен</a:t>
+            </a:r>
+          </a:p>
+          <a:p>
+            <a:pPr algn="just"/>
+            <a:r>
+              <a:rPr lang="bg-BG" dirty="0" smtClean="0"/>
+              <a:t>до 200</a:t>
+            </a:r>
+            <a:r>
+              <a:rPr lang="en-US" dirty="0" smtClean="0"/>
+              <a:t>4</a:t>
+            </a:r>
+            <a:r>
+              <a:rPr lang="bg-BG" dirty="0" smtClean="0"/>
+              <a:t>г. : </a:t>
+            </a:r>
+            <a:r>
+              <a:rPr lang="en-US" dirty="0"/>
+              <a:t>“</a:t>
+            </a:r>
+            <a:r>
+              <a:rPr lang="en-US" dirty="0" err="1"/>
+              <a:t>HackerDefender</a:t>
+            </a:r>
+            <a:r>
+              <a:rPr lang="en-US" dirty="0"/>
+              <a:t>”, </a:t>
+            </a:r>
+            <a:r>
+              <a:rPr lang="en-US" dirty="0" smtClean="0"/>
+              <a:t>“</a:t>
+            </a:r>
+            <a:r>
+              <a:rPr lang="en-US" dirty="0" err="1" smtClean="0"/>
+              <a:t>Haxdoor</a:t>
+            </a:r>
+            <a:r>
+              <a:rPr lang="en-US" dirty="0" smtClean="0"/>
+              <a:t>”, “FU”</a:t>
+            </a:r>
+            <a:r>
+              <a:rPr lang="bg-BG" dirty="0" smtClean="0"/>
+              <a:t> : имат злонамерени действия</a:t>
+            </a:r>
+            <a:r>
+              <a:rPr lang="bg-BG" dirty="0"/>
+              <a:t>,</a:t>
+            </a:r>
+            <a:r>
+              <a:rPr lang="bg-BG" dirty="0" smtClean="0"/>
+              <a:t> като да записват потребителски вход</a:t>
+            </a:r>
+          </a:p>
+          <a:p>
+            <a:pPr algn="just"/>
+            <a:r>
+              <a:rPr lang="bg-BG" dirty="0" smtClean="0"/>
+              <a:t>от 2005г. нататък : вграждане в троянски коне и </a:t>
+            </a:r>
+            <a:r>
+              <a:rPr lang="en-US" dirty="0" smtClean="0"/>
+              <a:t>mass-mail </a:t>
+            </a:r>
+            <a:r>
+              <a:rPr lang="bg-BG" dirty="0" smtClean="0"/>
+              <a:t>червеи</a:t>
+            </a:r>
+            <a:endParaRPr lang="en-US" dirty="0" smtClean="0"/>
+          </a:p>
+          <a:p>
+            <a:pPr algn="just"/>
+            <a:r>
+              <a:rPr lang="bg-BG" dirty="0" smtClean="0"/>
+              <a:t>2009г. : </a:t>
+            </a:r>
+            <a:r>
+              <a:rPr lang="en-US" dirty="0" smtClean="0"/>
+              <a:t>“Machiavelli”</a:t>
+            </a:r>
+            <a:r>
+              <a:rPr lang="bg-BG" dirty="0"/>
+              <a:t> </a:t>
+            </a:r>
+            <a:r>
+              <a:rPr lang="bg-BG" dirty="0" smtClean="0"/>
+              <a:t>за </a:t>
+            </a:r>
+            <a:r>
+              <a:rPr lang="en-US" dirty="0" smtClean="0"/>
+              <a:t>Mac OS</a:t>
+            </a:r>
+            <a:r>
+              <a:rPr lang="bg-BG" dirty="0" smtClean="0"/>
+              <a:t>, демонстративен</a:t>
+            </a:r>
+            <a:endParaRPr lang="en-US" dirty="0" smtClean="0"/>
+          </a:p>
+          <a:p>
+            <a:pPr algn="just"/>
+            <a:r>
+              <a:rPr lang="bg-BG" dirty="0" smtClean="0"/>
+              <a:t>2016г. : </a:t>
+            </a:r>
+            <a:r>
+              <a:rPr lang="en-US" dirty="0" smtClean="0"/>
+              <a:t>“</a:t>
+            </a:r>
+            <a:r>
+              <a:rPr lang="en-US" dirty="0" err="1" smtClean="0"/>
+              <a:t>HorsePill</a:t>
+            </a:r>
+            <a:r>
+              <a:rPr lang="en-US" dirty="0" smtClean="0"/>
+              <a:t>”</a:t>
+            </a:r>
+            <a:r>
+              <a:rPr lang="bg-BG" dirty="0" smtClean="0"/>
+              <a:t> за </a:t>
+            </a:r>
+            <a:r>
+              <a:rPr lang="en-US" dirty="0" smtClean="0"/>
+              <a:t>Linux</a:t>
+            </a:r>
+            <a:r>
+              <a:rPr lang="bg-BG" dirty="0" smtClean="0"/>
+              <a:t>, демонстративен</a:t>
+            </a:r>
+          </a:p>
+          <a:p>
+            <a:pPr algn="just"/>
+            <a:r>
+              <a:rPr lang="bg-BG" dirty="0" smtClean="0"/>
+              <a:t>2022г. : съществуват множество </a:t>
+            </a:r>
+            <a:r>
+              <a:rPr lang="en-US" dirty="0" smtClean="0"/>
+              <a:t>rootkit </a:t>
+            </a:r>
+            <a:r>
+              <a:rPr lang="bg-BG" dirty="0" smtClean="0"/>
+              <a:t>програми за всички хардуерни платформи и операционни системи</a:t>
+            </a:r>
+            <a:endParaRPr lang="bg-BG" dirty="0"/>
+          </a:p>
+        </p:txBody>
+      </p:sp>
+      <p:sp>
+        <p:nvSpPr>
+          <p:cNvPr id="4" name="Контейнер за долния колонтитул 3"/>
+          <p:cNvSpPr>
+            <a:spLocks noGrp="1"/>
+          </p:cNvSpPr>
+          <p:nvPr>
+            <p:ph type="ftr" sz="quarter" idx="11"/>
+          </p:nvPr>
+        </p:nvSpPr>
+        <p:spPr/>
+        <p:txBody>
+          <a:bodyPr/>
+          <a:lstStyle/>
+          <a:p>
+            <a:r>
+              <a:rPr lang="ru-RU" smtClean="0"/>
+              <a:t>СУ „Св. Кл. Охридски“, ФМИ, ЗИКСМ, зимен семестър, 2021/2022г.,  Иван Ивов Чучулски, 4MI3400043</a:t>
+            </a:r>
+            <a:endParaRPr lang="bg-BG"/>
+          </a:p>
+        </p:txBody>
+      </p:sp>
+      <p:sp>
+        <p:nvSpPr>
+          <p:cNvPr id="5" name="Контейнер за номер на слайда 4"/>
+          <p:cNvSpPr>
+            <a:spLocks noGrp="1"/>
+          </p:cNvSpPr>
+          <p:nvPr>
+            <p:ph type="sldNum" sz="quarter" idx="12"/>
+          </p:nvPr>
+        </p:nvSpPr>
+        <p:spPr/>
+        <p:txBody>
+          <a:bodyPr/>
+          <a:lstStyle/>
+          <a:p>
+            <a:fld id="{259F47CD-40EF-4490-8B0C-1C31B8436011}" type="slidenum">
+              <a:rPr lang="bg-BG" smtClean="0"/>
+              <a:t>4</a:t>
+            </a:fld>
+            <a:endParaRPr lang="bg-BG"/>
+          </a:p>
+        </p:txBody>
+      </p:sp>
+    </p:spTree>
+    <p:extLst>
+      <p:ext uri="{BB962C8B-B14F-4D97-AF65-F5344CB8AC3E}">
+        <p14:creationId xmlns:p14="http://schemas.microsoft.com/office/powerpoint/2010/main" val="998859090"/>
+      </p:ext>
+    </p:extLst>
+  </p:cSld>
+  <p:clrMapOvr>
+    <a:masterClrMapping/>
+  </p:clrMapOvr>
+  <p:timing>
+    <p:tnLst>
+      <p:par>
+        <p:cTn id="1" dur="indefinite" restart="never" nodeType="tmRoot"/>
+      </p:par>
+    </p:tnLst>
+  </p:timing>
+</p:sld>
+</file>
+
+<file path=ppt/slides/slide5.xml><?xml version="1.0" encoding="utf-8"?>
+<p:sld xmlns:a="http://schemas.openxmlformats.org/drawingml/2006/main" xmlns:r="http://schemas.openxmlformats.org/officeDocument/2006/relationships" xmlns:p="http://schemas.openxmlformats.org/presentationml/2006/main">
+  <p:cSld>
+    <p:spTree>
+      <p:nvGrpSpPr>
+        <p:cNvPr id="1" name=""/>
+        <p:cNvGrpSpPr/>
+        <p:nvPr/>
+      </p:nvGrpSpPr>
+      <p:grpSpPr>
+        <a:xfrm>
+          <a:off x="0" y="0"/>
+          <a:ext cx="0" cy="0"/>
+          <a:chOff x="0" y="0"/>
+          <a:chExt cx="0" cy="0"/>
+        </a:xfrm>
+      </p:grpSpPr>
+      <p:sp>
+        <p:nvSpPr>
+          <p:cNvPr id="2" name="Заглавие 1"/>
+          <p:cNvSpPr>
+            <a:spLocks noGrp="1"/>
+          </p:cNvSpPr>
+          <p:nvPr>
+            <p:ph type="title"/>
+          </p:nvPr>
+        </p:nvSpPr>
+        <p:spPr/>
+        <p:txBody>
+          <a:bodyPr>
+            <a:normAutofit/>
+          </a:bodyPr>
+          <a:lstStyle/>
+          <a:p>
+            <a:r>
+              <a:rPr lang="bg-BG" sz="4000" dirty="0" smtClean="0"/>
+              <a:t>Слоеве на привилегированост в </a:t>
+            </a:r>
+            <a:r>
+              <a:rPr lang="en-US" sz="4000" dirty="0" smtClean="0"/>
+              <a:t>x86</a:t>
+            </a:r>
+            <a:r>
+              <a:rPr lang="bg-BG" sz="4000" dirty="0"/>
+              <a:t> </a:t>
+            </a:r>
+            <a:r>
+              <a:rPr lang="bg-BG" sz="4000" dirty="0" smtClean="0"/>
+              <a:t>системи</a:t>
+            </a:r>
+            <a:endParaRPr lang="bg-BG" sz="4000" dirty="0"/>
+          </a:p>
+        </p:txBody>
+      </p:sp>
+      <p:pic>
+        <p:nvPicPr>
+          <p:cNvPr id="7" name="Контейнер за съдържание 6"/>
+          <p:cNvPicPr>
+            <a:picLocks noGrp="1" noChangeAspect="1"/>
+          </p:cNvPicPr>
+          <p:nvPr>
+            <p:ph idx="1"/>
+          </p:nvPr>
+        </p:nvPicPr>
+        <p:blipFill>
+          <a:blip r:embed="rId2">
+            <a:extLst>
+              <a:ext uri="{28A0092B-C50C-407E-A947-70E740481C1C}">
+                <a14:useLocalDpi xmlns:a14="http://schemas.microsoft.com/office/drawing/2010/main" val="0"/>
+              </a:ext>
+            </a:extLst>
+          </a:blip>
+          <a:stretch>
+            <a:fillRect/>
+          </a:stretch>
+        </p:blipFill>
+        <p:spPr>
+          <a:xfrm>
+            <a:off x="5584236" y="2050866"/>
+            <a:ext cx="4772567" cy="3371788"/>
+          </a:xfrm>
+        </p:spPr>
+      </p:pic>
+      <p:sp>
+        <p:nvSpPr>
+          <p:cNvPr id="4" name="Контейнер за долния колонтитул 3"/>
+          <p:cNvSpPr>
+            <a:spLocks noGrp="1"/>
+          </p:cNvSpPr>
+          <p:nvPr>
+            <p:ph type="ftr" sz="quarter" idx="11"/>
+          </p:nvPr>
+        </p:nvSpPr>
+        <p:spPr/>
+        <p:txBody>
+          <a:bodyPr/>
+          <a:lstStyle/>
+          <a:p>
+            <a:r>
+              <a:rPr lang="ru-RU" smtClean="0"/>
+              <a:t>СУ „Св. Кл. Охридски“, ФМИ, ЗИКСМ, зимен семестър, 2021/2022г.,  Иван Ивов Чучулски, 4MI3400043</a:t>
+            </a:r>
+            <a:endParaRPr lang="bg-BG"/>
+          </a:p>
+        </p:txBody>
+      </p:sp>
+      <p:sp>
+        <p:nvSpPr>
+          <p:cNvPr id="5" name="Контейнер за номер на слайда 4"/>
+          <p:cNvSpPr>
+            <a:spLocks noGrp="1"/>
+          </p:cNvSpPr>
+          <p:nvPr>
+            <p:ph type="sldNum" sz="quarter" idx="12"/>
+          </p:nvPr>
+        </p:nvSpPr>
+        <p:spPr/>
+        <p:txBody>
+          <a:bodyPr/>
+          <a:lstStyle/>
+          <a:p>
+            <a:fld id="{259F47CD-40EF-4490-8B0C-1C31B8436011}" type="slidenum">
+              <a:rPr lang="bg-BG" smtClean="0"/>
+              <a:t>5</a:t>
+            </a:fld>
+            <a:endParaRPr lang="bg-BG"/>
+          </a:p>
+        </p:txBody>
+      </p:sp>
+      <p:pic>
+        <p:nvPicPr>
+          <p:cNvPr id="8" name="Картина 7"/>
+          <p:cNvPicPr>
+            <a:picLocks noChangeAspect="1"/>
+          </p:cNvPicPr>
+          <p:nvPr/>
+        </p:nvPicPr>
+        <p:blipFill>
+          <a:blip r:embed="rId3">
+            <a:extLst>
+              <a:ext uri="{28A0092B-C50C-407E-A947-70E740481C1C}">
+                <a14:useLocalDpi xmlns:a14="http://schemas.microsoft.com/office/drawing/2010/main" val="0"/>
+              </a:ext>
+            </a:extLst>
+          </a:blip>
+          <a:stretch>
+            <a:fillRect/>
+          </a:stretch>
+        </p:blipFill>
+        <p:spPr>
+          <a:xfrm>
+            <a:off x="838200" y="2050866"/>
+            <a:ext cx="4173447" cy="3427528"/>
+          </a:xfrm>
+          <a:prstGeom prst="rect">
+            <a:avLst/>
+          </a:prstGeom>
+        </p:spPr>
+      </p:pic>
+    </p:spTree>
+    <p:extLst>
+      <p:ext uri="{BB962C8B-B14F-4D97-AF65-F5344CB8AC3E}">
+        <p14:creationId xmlns:p14="http://schemas.microsoft.com/office/powerpoint/2010/main" val="1505197886"/>
+      </p:ext>
+    </p:extLst>
+  </p:cSld>
+  <p:clrMapOvr>
+    <a:masterClrMapping/>
+  </p:clrMapOvr>
+  <p:timing>
+    <p:tnLst>
+      <p:par>
+        <p:cTn id="1" dur="indefinite" restart="never" nodeType="tmRoot"/>
+      </p:par>
+    </p:tnLst>
+  </p:timing>
+</p:sld>
+</file>
+
+<file path=ppt/slides/slide6.xml><?xml version="1.0" encoding="utf-8"?>
+<p:sld xmlns:a="http://schemas.openxmlformats.org/drawingml/2006/main" xmlns:r="http://schemas.openxmlformats.org/officeDocument/2006/relationships" xmlns:p="http://schemas.openxmlformats.org/presentationml/2006/main">
+  <p:cSld>
+    <p:spTree>
+      <p:nvGrpSpPr>
+        <p:cNvPr id="1" name=""/>
+        <p:cNvGrpSpPr/>
+        <p:nvPr/>
+      </p:nvGrpSpPr>
+      <p:grpSpPr>
+        <a:xfrm>
+          <a:off x="0" y="0"/>
+          <a:ext cx="0" cy="0"/>
+          <a:chOff x="0" y="0"/>
+          <a:chExt cx="0" cy="0"/>
+        </a:xfrm>
+      </p:grpSpPr>
+      <p:sp>
+        <p:nvSpPr>
+          <p:cNvPr id="2" name="Заглавие 1"/>
+          <p:cNvSpPr>
+            <a:spLocks noGrp="1"/>
+          </p:cNvSpPr>
+          <p:nvPr>
+            <p:ph type="title"/>
+          </p:nvPr>
+        </p:nvSpPr>
+        <p:spPr/>
+        <p:txBody>
+          <a:bodyPr/>
+          <a:lstStyle/>
+          <a:p>
+            <a:r>
+              <a:rPr lang="en-US" dirty="0" smtClean="0"/>
+              <a:t>Rootkit </a:t>
+            </a:r>
+            <a:r>
+              <a:rPr lang="bg-BG" dirty="0" smtClean="0"/>
+              <a:t>в слоя на приложенията</a:t>
+            </a:r>
+            <a:endParaRPr lang="bg-BG" dirty="0"/>
+          </a:p>
+        </p:txBody>
+      </p:sp>
+      <p:sp>
+        <p:nvSpPr>
+          <p:cNvPr id="3" name="Контейнер за съдържание 2"/>
+          <p:cNvSpPr>
+            <a:spLocks noGrp="1"/>
+          </p:cNvSpPr>
+          <p:nvPr>
+            <p:ph idx="1"/>
+          </p:nvPr>
+        </p:nvSpPr>
+        <p:spPr>
+          <a:xfrm>
+            <a:off x="838200" y="1825625"/>
+            <a:ext cx="10881946" cy="4351338"/>
+          </a:xfrm>
+        </p:spPr>
+        <p:txBody>
+          <a:bodyPr>
+            <a:normAutofit fontScale="92500" lnSpcReduction="10000"/>
+          </a:bodyPr>
+          <a:lstStyle/>
+          <a:p>
+            <a:pPr algn="just"/>
+            <a:r>
+              <a:rPr lang="bg-BG" dirty="0" smtClean="0"/>
+              <a:t>изпълняват се с правомощията на потребителски процес</a:t>
+            </a:r>
+          </a:p>
+          <a:p>
+            <a:pPr algn="just"/>
+            <a:r>
+              <a:rPr lang="bg-BG" dirty="0" smtClean="0"/>
+              <a:t>хакерите използват дропери за инсталиране на </a:t>
+            </a:r>
+            <a:r>
+              <a:rPr lang="en-US" dirty="0" smtClean="0"/>
+              <a:t>rootkit</a:t>
+            </a:r>
+          </a:p>
+          <a:p>
+            <a:pPr algn="just"/>
+            <a:r>
+              <a:rPr lang="bg-BG" dirty="0" smtClean="0"/>
+              <a:t>прихващане на процес на легитимна програми и подслушване</a:t>
+            </a:r>
+            <a:r>
+              <a:rPr lang="en-US" dirty="0" smtClean="0"/>
+              <a:t>/</a:t>
+            </a:r>
+            <a:r>
+              <a:rPr lang="bg-BG" dirty="0" smtClean="0"/>
+              <a:t>подменя</a:t>
+            </a:r>
+            <a:r>
+              <a:rPr lang="en-US" dirty="0" smtClean="0"/>
+              <a:t> </a:t>
+            </a:r>
+            <a:r>
+              <a:rPr lang="bg-BG" dirty="0" smtClean="0"/>
+              <a:t>на данните му</a:t>
+            </a:r>
+          </a:p>
+          <a:p>
+            <a:pPr lvl="1" algn="just"/>
+            <a:r>
+              <a:rPr lang="bg-BG" dirty="0"/>
+              <a:t>в </a:t>
+            </a:r>
+            <a:r>
+              <a:rPr lang="en-US" dirty="0"/>
+              <a:t>Windows </a:t>
+            </a:r>
+            <a:r>
+              <a:rPr lang="bg-BG" dirty="0"/>
+              <a:t>чрез </a:t>
+            </a:r>
+            <a:r>
+              <a:rPr lang="en-US" dirty="0"/>
+              <a:t>“</a:t>
+            </a:r>
+            <a:r>
+              <a:rPr lang="bg-BG" dirty="0" smtClean="0"/>
+              <a:t>закачане</a:t>
+            </a:r>
+            <a:r>
+              <a:rPr lang="en-US" dirty="0" smtClean="0"/>
+              <a:t>”</a:t>
+            </a:r>
+            <a:r>
+              <a:rPr lang="bg-BG" dirty="0" smtClean="0"/>
+              <a:t> към събития на процес</a:t>
+            </a:r>
+            <a:r>
+              <a:rPr lang="en-US" dirty="0" smtClean="0"/>
+              <a:t>:</a:t>
+            </a:r>
+            <a:r>
+              <a:rPr lang="bg-BG" dirty="0" smtClean="0"/>
+              <a:t> </a:t>
+            </a:r>
+            <a:r>
+              <a:rPr lang="bg-BG" dirty="0" err="1" smtClean="0"/>
+              <a:t>SetWindowsHookEx</a:t>
+            </a:r>
+            <a:endParaRPr lang="bg-BG" dirty="0" smtClean="0"/>
+          </a:p>
+          <a:p>
+            <a:pPr lvl="1" algn="just"/>
+            <a:r>
+              <a:rPr lang="bg-BG" dirty="0" smtClean="0"/>
+              <a:t>„инжектиране“ на</a:t>
+            </a:r>
+            <a:r>
+              <a:rPr lang="en-US" dirty="0"/>
+              <a:t> </a:t>
+            </a:r>
+            <a:r>
+              <a:rPr lang="en-US" dirty="0" smtClean="0"/>
+              <a:t>DLL </a:t>
+            </a:r>
+            <a:r>
+              <a:rPr lang="bg-BG" dirty="0" smtClean="0"/>
+              <a:t>към системен </a:t>
+            </a:r>
+            <a:r>
+              <a:rPr lang="en-US" dirty="0" smtClean="0"/>
+              <a:t>DLL</a:t>
+            </a:r>
+            <a:endParaRPr lang="bg-BG" dirty="0" smtClean="0"/>
+          </a:p>
+          <a:p>
+            <a:pPr algn="just"/>
+            <a:r>
+              <a:rPr lang="bg-BG" dirty="0" smtClean="0"/>
+              <a:t>добра антивирусна програма може да засече такива намеси</a:t>
+            </a:r>
+            <a:endParaRPr lang="bg-BG" dirty="0"/>
+          </a:p>
+          <a:p>
+            <a:pPr algn="just"/>
+            <a:r>
+              <a:rPr lang="bg-BG" dirty="0" smtClean="0"/>
+              <a:t>пример : </a:t>
+            </a:r>
+            <a:r>
+              <a:rPr lang="en-US" dirty="0" smtClean="0"/>
+              <a:t>“</a:t>
+            </a:r>
+            <a:r>
+              <a:rPr lang="en-US" dirty="0" err="1" smtClean="0"/>
+              <a:t>Carberp</a:t>
+            </a:r>
+            <a:r>
+              <a:rPr lang="en-US" dirty="0" smtClean="0"/>
+              <a:t>”</a:t>
+            </a:r>
+          </a:p>
+          <a:p>
+            <a:pPr lvl="1" algn="just"/>
+            <a:r>
+              <a:rPr lang="bg-BG" dirty="0" smtClean="0"/>
+              <a:t>модифицира достоверен процес (</a:t>
+            </a:r>
+            <a:r>
+              <a:rPr lang="en-US" dirty="0" smtClean="0"/>
+              <a:t>explorer.exe</a:t>
+            </a:r>
+            <a:r>
+              <a:rPr lang="bg-BG" dirty="0"/>
+              <a:t>)</a:t>
+            </a:r>
+            <a:r>
+              <a:rPr lang="bg-BG" dirty="0" smtClean="0"/>
+              <a:t>, за да установи легитимността си</a:t>
+            </a:r>
+          </a:p>
+          <a:p>
+            <a:pPr lvl="1" algn="just"/>
+            <a:r>
+              <a:rPr lang="bg-BG" dirty="0" smtClean="0"/>
+              <a:t>променя </a:t>
+            </a:r>
+            <a:r>
+              <a:rPr lang="bg-BG" dirty="0" err="1" smtClean="0"/>
+              <a:t>байтокода</a:t>
+            </a:r>
+            <a:r>
+              <a:rPr lang="bg-BG" dirty="0" smtClean="0"/>
+              <a:t> на </a:t>
+            </a:r>
+            <a:r>
+              <a:rPr lang="en-US" dirty="0" smtClean="0"/>
+              <a:t>Java </a:t>
+            </a:r>
+            <a:r>
+              <a:rPr lang="bg-BG" dirty="0" smtClean="0"/>
+              <a:t>приложение за онлайн банкиране, карайки го пари към определени сметки</a:t>
+            </a:r>
+            <a:endParaRPr lang="bg-BG" dirty="0"/>
+          </a:p>
+        </p:txBody>
+      </p:sp>
+      <p:sp>
+        <p:nvSpPr>
+          <p:cNvPr id="4" name="Контейнер за долния колонтитул 3"/>
+          <p:cNvSpPr>
+            <a:spLocks noGrp="1"/>
+          </p:cNvSpPr>
+          <p:nvPr>
+            <p:ph type="ftr" sz="quarter" idx="11"/>
+          </p:nvPr>
+        </p:nvSpPr>
+        <p:spPr/>
+        <p:txBody>
+          <a:bodyPr/>
+          <a:lstStyle/>
+          <a:p>
+            <a:r>
+              <a:rPr lang="ru-RU" smtClean="0"/>
+              <a:t>СУ „Св. Кл. Охридски“, ФМИ, ЗИКСМ, зимен семестър, 2021/2022г.,  Иван Ивов Чучулски, 4MI3400043</a:t>
+            </a:r>
+            <a:endParaRPr lang="bg-BG"/>
+          </a:p>
+        </p:txBody>
+      </p:sp>
+      <p:sp>
+        <p:nvSpPr>
+          <p:cNvPr id="5" name="Контейнер за номер на слайда 4"/>
+          <p:cNvSpPr>
+            <a:spLocks noGrp="1"/>
+          </p:cNvSpPr>
+          <p:nvPr>
+            <p:ph type="sldNum" sz="quarter" idx="12"/>
+          </p:nvPr>
+        </p:nvSpPr>
+        <p:spPr/>
+        <p:txBody>
+          <a:bodyPr/>
+          <a:lstStyle/>
+          <a:p>
+            <a:fld id="{259F47CD-40EF-4490-8B0C-1C31B8436011}" type="slidenum">
+              <a:rPr lang="bg-BG" smtClean="0"/>
+              <a:t>6</a:t>
+            </a:fld>
+            <a:endParaRPr lang="bg-BG"/>
+          </a:p>
+        </p:txBody>
+      </p:sp>
+    </p:spTree>
+    <p:extLst>
+      <p:ext uri="{BB962C8B-B14F-4D97-AF65-F5344CB8AC3E}">
+        <p14:creationId xmlns:p14="http://schemas.microsoft.com/office/powerpoint/2010/main" val="1717490016"/>
+      </p:ext>
+    </p:extLst>
+  </p:cSld>
+  <p:clrMapOvr>
+    <a:masterClrMapping/>
+  </p:clrMapOvr>
+  <p:timing>
+    <p:tnLst>
+      <p:par>
+        <p:cTn id="1" dur="indefinite" restart="never" nodeType="tmRoot"/>
+      </p:par>
+    </p:tnLst>
+  </p:timing>
+</p:sld>
+</file>
+
+<file path=ppt/slides/slide7.xml><?xml version="1.0" encoding="utf-8"?>
+<p:sld xmlns:a="http://schemas.openxmlformats.org/drawingml/2006/main" xmlns:r="http://schemas.openxmlformats.org/officeDocument/2006/relationships" xmlns:p="http://schemas.openxmlformats.org/presentationml/2006/main">
+  <p:cSld>
+    <p:spTree>
+      <p:nvGrpSpPr>
+        <p:cNvPr id="1" name=""/>
+        <p:cNvGrpSpPr/>
+        <p:nvPr/>
+      </p:nvGrpSpPr>
+      <p:grpSpPr>
+        <a:xfrm>
+          <a:off x="0" y="0"/>
+          <a:ext cx="0" cy="0"/>
+          <a:chOff x="0" y="0"/>
+          <a:chExt cx="0" cy="0"/>
+        </a:xfrm>
+      </p:grpSpPr>
+      <p:sp>
+        <p:nvSpPr>
+          <p:cNvPr id="2" name="Заглавие 1"/>
+          <p:cNvSpPr>
+            <a:spLocks noGrp="1"/>
+          </p:cNvSpPr>
+          <p:nvPr>
+            <p:ph type="title"/>
+          </p:nvPr>
+        </p:nvSpPr>
+        <p:spPr/>
+        <p:txBody>
+          <a:bodyPr>
+            <a:noAutofit/>
+          </a:bodyPr>
+          <a:lstStyle/>
+          <a:p>
+            <a:r>
+              <a:rPr lang="en-US" sz="4000" dirty="0" smtClean="0"/>
+              <a:t>Rootkit </a:t>
+            </a:r>
+            <a:r>
+              <a:rPr lang="bg-BG" sz="4000" dirty="0" smtClean="0"/>
+              <a:t>в слоя на системните драйвери и ядрото</a:t>
+            </a:r>
+            <a:endParaRPr lang="bg-BG" sz="4000" dirty="0"/>
+          </a:p>
+        </p:txBody>
+      </p:sp>
+      <p:sp>
+        <p:nvSpPr>
+          <p:cNvPr id="3" name="Контейнер за съдържание 2"/>
+          <p:cNvSpPr>
+            <a:spLocks noGrp="1"/>
+          </p:cNvSpPr>
+          <p:nvPr>
+            <p:ph idx="1"/>
+          </p:nvPr>
+        </p:nvSpPr>
+        <p:spPr/>
+        <p:txBody>
+          <a:bodyPr/>
+          <a:lstStyle/>
+          <a:p>
+            <a:pPr algn="just"/>
+            <a:r>
+              <a:rPr lang="bg-BG" dirty="0" smtClean="0"/>
+              <a:t>процесите от този слой контролират всички потребителски</a:t>
+            </a:r>
+          </a:p>
+          <a:p>
+            <a:pPr algn="just"/>
+            <a:r>
+              <a:rPr lang="bg-BG" dirty="0" smtClean="0"/>
+              <a:t>може да се инсталират се като драйвери</a:t>
+            </a:r>
+            <a:endParaRPr lang="en-US" dirty="0" smtClean="0"/>
+          </a:p>
+          <a:p>
+            <a:pPr algn="just"/>
+            <a:r>
+              <a:rPr lang="bg-BG" dirty="0" smtClean="0"/>
+              <a:t>осъществяват злонамерени действия чрез прихващане и пренасочване на системните извиквания към свой код</a:t>
+            </a:r>
+          </a:p>
+          <a:p>
+            <a:pPr lvl="1" algn="just"/>
+            <a:r>
+              <a:rPr lang="bg-BG" dirty="0" smtClean="0"/>
+              <a:t>в</a:t>
+            </a:r>
+            <a:r>
+              <a:rPr lang="en-US" dirty="0"/>
+              <a:t> </a:t>
+            </a:r>
+            <a:r>
+              <a:rPr lang="en-US" dirty="0" smtClean="0"/>
+              <a:t>Windows : system service </a:t>
+            </a:r>
+            <a:r>
+              <a:rPr lang="en-US" dirty="0"/>
+              <a:t>descriptor </a:t>
+            </a:r>
+            <a:r>
+              <a:rPr lang="en-US" dirty="0" smtClean="0"/>
+              <a:t>table</a:t>
+            </a:r>
+          </a:p>
+          <a:p>
+            <a:pPr lvl="1" algn="just"/>
+            <a:r>
+              <a:rPr lang="bg-BG" dirty="0" smtClean="0"/>
+              <a:t>в </a:t>
+            </a:r>
+            <a:r>
+              <a:rPr lang="en-US" dirty="0" smtClean="0"/>
+              <a:t>Linux : system </a:t>
+            </a:r>
+            <a:r>
+              <a:rPr lang="en-US" dirty="0"/>
+              <a:t>call </a:t>
+            </a:r>
+            <a:r>
+              <a:rPr lang="en-US" dirty="0" smtClean="0"/>
+              <a:t>table</a:t>
+            </a:r>
+          </a:p>
+          <a:p>
+            <a:pPr algn="just"/>
+            <a:r>
+              <a:rPr lang="bg-BG" dirty="0" smtClean="0"/>
+              <a:t>възможност за ефективно скриване на своето присъствие и на процеси в потребителския слой</a:t>
+            </a:r>
+          </a:p>
+          <a:p>
+            <a:pPr lvl="1" algn="just"/>
+            <a:endParaRPr lang="bg-BG" dirty="0"/>
+          </a:p>
+        </p:txBody>
+      </p:sp>
+      <p:sp>
+        <p:nvSpPr>
+          <p:cNvPr id="4" name="Контейнер за долния колонтитул 3"/>
+          <p:cNvSpPr>
+            <a:spLocks noGrp="1"/>
+          </p:cNvSpPr>
+          <p:nvPr>
+            <p:ph type="ftr" sz="quarter" idx="11"/>
+          </p:nvPr>
+        </p:nvSpPr>
+        <p:spPr/>
+        <p:txBody>
+          <a:bodyPr/>
+          <a:lstStyle/>
+          <a:p>
+            <a:r>
+              <a:rPr lang="ru-RU" smtClean="0"/>
+              <a:t>СУ „Св. Кл. Охридски“, ФМИ, ЗИКСМ, зимен семестър, 2021/2022г.,  Иван Ивов Чучулски, 4MI3400043</a:t>
+            </a:r>
+            <a:endParaRPr lang="bg-BG"/>
+          </a:p>
+        </p:txBody>
+      </p:sp>
+      <p:sp>
+        <p:nvSpPr>
+          <p:cNvPr id="5" name="Контейнер за номер на слайда 4"/>
+          <p:cNvSpPr>
+            <a:spLocks noGrp="1"/>
+          </p:cNvSpPr>
+          <p:nvPr>
+            <p:ph type="sldNum" sz="quarter" idx="12"/>
+          </p:nvPr>
+        </p:nvSpPr>
+        <p:spPr/>
+        <p:txBody>
+          <a:bodyPr/>
+          <a:lstStyle/>
+          <a:p>
+            <a:fld id="{259F47CD-40EF-4490-8B0C-1C31B8436011}" type="slidenum">
+              <a:rPr lang="bg-BG" smtClean="0"/>
+              <a:t>7</a:t>
+            </a:fld>
+            <a:endParaRPr lang="bg-BG"/>
+          </a:p>
+        </p:txBody>
+      </p:sp>
+    </p:spTree>
+    <p:extLst>
+      <p:ext uri="{BB962C8B-B14F-4D97-AF65-F5344CB8AC3E}">
+        <p14:creationId xmlns:p14="http://schemas.microsoft.com/office/powerpoint/2010/main" val="1050055190"/>
+      </p:ext>
+    </p:extLst>
+  </p:cSld>
+  <p:clrMapOvr>
+    <a:masterClrMapping/>
+  </p:clrMapOvr>
+  <p:timing>
+    <p:tnLst>
+      <p:par>
+        <p:cTn id="1" dur="indefinite" restart="never" nodeType="tmRoot"/>
+      </p:par>
+    </p:tnLst>
+  </p:timing>
+</p:sld>
+</file>
+
+<file path=ppt/slides/slide8.xml><?xml version="1.0" encoding="utf-8"?>
+<p:sld xmlns:a="http://schemas.openxmlformats.org/drawingml/2006/main" xmlns:r="http://schemas.openxmlformats.org/officeDocument/2006/relationships" xmlns:p="http://schemas.openxmlformats.org/presentationml/2006/main">
+  <p:cSld>
+    <p:spTree>
+      <p:nvGrpSpPr>
+        <p:cNvPr id="1" name=""/>
+        <p:cNvGrpSpPr/>
+        <p:nvPr/>
+      </p:nvGrpSpPr>
+      <p:grpSpPr>
+        <a:xfrm>
+          <a:off x="0" y="0"/>
+          <a:ext cx="0" cy="0"/>
+          <a:chOff x="0" y="0"/>
+          <a:chExt cx="0" cy="0"/>
+        </a:xfrm>
+      </p:grpSpPr>
+      <p:sp>
+        <p:nvSpPr>
+          <p:cNvPr id="2" name="Заглавие 1"/>
+          <p:cNvSpPr>
+            <a:spLocks noGrp="1"/>
+          </p:cNvSpPr>
+          <p:nvPr>
+            <p:ph type="title"/>
+          </p:nvPr>
+        </p:nvSpPr>
+        <p:spPr/>
+        <p:txBody>
+          <a:bodyPr/>
+          <a:lstStyle/>
+          <a:p>
+            <a:r>
+              <a:rPr lang="en-US" dirty="0" smtClean="0"/>
+              <a:t>Rootkit </a:t>
+            </a:r>
+            <a:r>
+              <a:rPr lang="bg-BG" dirty="0" smtClean="0"/>
+              <a:t>във виртуализационния слой</a:t>
+            </a:r>
+            <a:endParaRPr lang="bg-BG" dirty="0"/>
+          </a:p>
+        </p:txBody>
+      </p:sp>
+      <p:sp>
+        <p:nvSpPr>
+          <p:cNvPr id="3" name="Контейнер за съдържание 2"/>
+          <p:cNvSpPr>
+            <a:spLocks noGrp="1"/>
+          </p:cNvSpPr>
+          <p:nvPr>
+            <p:ph idx="1"/>
+          </p:nvPr>
+        </p:nvSpPr>
+        <p:spPr>
+          <a:xfrm>
+            <a:off x="838200" y="1825625"/>
+            <a:ext cx="11101754" cy="4351338"/>
+          </a:xfrm>
+        </p:spPr>
+        <p:txBody>
+          <a:bodyPr/>
+          <a:lstStyle/>
+          <a:p>
+            <a:pPr algn="just"/>
+            <a:r>
+              <a:rPr lang="bg-BG" dirty="0" smtClean="0"/>
+              <a:t>навлизат като концепция след като </a:t>
+            </a:r>
+            <a:r>
+              <a:rPr lang="en-US" dirty="0" smtClean="0"/>
+              <a:t>Intel </a:t>
+            </a:r>
+            <a:r>
+              <a:rPr lang="bg-BG" dirty="0" smtClean="0"/>
+              <a:t>и </a:t>
+            </a:r>
+            <a:r>
+              <a:rPr lang="en-US" dirty="0" smtClean="0"/>
+              <a:t>AMD </a:t>
+            </a:r>
+            <a:r>
+              <a:rPr lang="bg-BG" dirty="0" smtClean="0"/>
+              <a:t>имплементират специфични инструкции за виртуализация</a:t>
+            </a:r>
+            <a:endParaRPr lang="en-US" dirty="0" smtClean="0"/>
+          </a:p>
+          <a:p>
+            <a:pPr algn="just"/>
+            <a:r>
+              <a:rPr lang="bg-BG" dirty="0" smtClean="0"/>
+              <a:t>идея : да поставим ОС във контролирана виртуална машина</a:t>
+            </a:r>
+          </a:p>
+          <a:p>
+            <a:pPr algn="just"/>
+            <a:r>
+              <a:rPr lang="bg-BG" dirty="0" smtClean="0"/>
+              <a:t>2006г. : два известни демонстративни варианта :</a:t>
+            </a:r>
+            <a:r>
+              <a:rPr lang="en-US" dirty="0"/>
+              <a:t> </a:t>
+            </a:r>
+            <a:r>
+              <a:rPr lang="en-US" dirty="0" smtClean="0"/>
+              <a:t>“</a:t>
+            </a:r>
+            <a:r>
+              <a:rPr lang="en-US" dirty="0" err="1" smtClean="0"/>
+              <a:t>SubVirt</a:t>
+            </a:r>
+            <a:r>
+              <a:rPr lang="en-US" dirty="0" smtClean="0"/>
+              <a:t>” </a:t>
+            </a:r>
+            <a:r>
+              <a:rPr lang="bg-BG" dirty="0" smtClean="0"/>
+              <a:t>и </a:t>
+            </a:r>
+            <a:r>
+              <a:rPr lang="en-US" dirty="0" smtClean="0"/>
+              <a:t>“</a:t>
+            </a:r>
+            <a:r>
+              <a:rPr lang="en-US" dirty="0" err="1" smtClean="0"/>
+              <a:t>BluePill</a:t>
+            </a:r>
+            <a:r>
+              <a:rPr lang="en-US" dirty="0" smtClean="0"/>
+              <a:t>”</a:t>
+            </a:r>
+          </a:p>
+          <a:p>
+            <a:pPr algn="just"/>
+            <a:r>
+              <a:rPr lang="bg-BG" dirty="0" smtClean="0"/>
+              <a:t>2016г. : </a:t>
+            </a:r>
+            <a:r>
+              <a:rPr lang="en-US" dirty="0" smtClean="0"/>
+              <a:t>“</a:t>
+            </a:r>
+            <a:r>
+              <a:rPr lang="en-US" dirty="0" err="1" smtClean="0"/>
+              <a:t>rHV</a:t>
+            </a:r>
+            <a:r>
+              <a:rPr lang="en-US" dirty="0" smtClean="0"/>
+              <a:t>” </a:t>
+            </a:r>
+            <a:r>
+              <a:rPr lang="bg-BG" dirty="0" smtClean="0"/>
+              <a:t>: демонстративен </a:t>
+            </a:r>
+            <a:r>
+              <a:rPr lang="en-US" dirty="0" smtClean="0"/>
+              <a:t>rootkit </a:t>
+            </a:r>
+            <a:r>
+              <a:rPr lang="bg-BG" dirty="0" smtClean="0"/>
+              <a:t>програми за виртуализацията на </a:t>
+            </a:r>
+            <a:r>
+              <a:rPr lang="en-US" dirty="0" smtClean="0"/>
+              <a:t>ARM</a:t>
+            </a:r>
+            <a:endParaRPr lang="bg-BG" dirty="0"/>
+          </a:p>
+        </p:txBody>
+      </p:sp>
+      <p:sp>
+        <p:nvSpPr>
+          <p:cNvPr id="4" name="Контейнер за долния колонтитул 3"/>
+          <p:cNvSpPr>
+            <a:spLocks noGrp="1"/>
+          </p:cNvSpPr>
+          <p:nvPr>
+            <p:ph type="ftr" sz="quarter" idx="11"/>
+          </p:nvPr>
+        </p:nvSpPr>
+        <p:spPr/>
+        <p:txBody>
+          <a:bodyPr/>
+          <a:lstStyle/>
+          <a:p>
+            <a:r>
+              <a:rPr lang="ru-RU" smtClean="0"/>
+              <a:t>СУ „Св. Кл. Охридски“, ФМИ, ЗИКСМ, зимен семестър, 2021/2022г.,  Иван Ивов Чучулски, 4MI3400043</a:t>
+            </a:r>
+            <a:endParaRPr lang="bg-BG"/>
+          </a:p>
+        </p:txBody>
+      </p:sp>
+      <p:sp>
+        <p:nvSpPr>
+          <p:cNvPr id="5" name="Контейнер за номер на слайда 4"/>
+          <p:cNvSpPr>
+            <a:spLocks noGrp="1"/>
+          </p:cNvSpPr>
+          <p:nvPr>
+            <p:ph type="sldNum" sz="quarter" idx="12"/>
+          </p:nvPr>
+        </p:nvSpPr>
+        <p:spPr/>
+        <p:txBody>
+          <a:bodyPr/>
+          <a:lstStyle/>
+          <a:p>
+            <a:fld id="{259F47CD-40EF-4490-8B0C-1C31B8436011}" type="slidenum">
+              <a:rPr lang="bg-BG" smtClean="0"/>
+              <a:t>8</a:t>
+            </a:fld>
+            <a:endParaRPr lang="bg-BG"/>
+          </a:p>
+        </p:txBody>
+      </p:sp>
+    </p:spTree>
+    <p:extLst>
+      <p:ext uri="{BB962C8B-B14F-4D97-AF65-F5344CB8AC3E}">
+        <p14:creationId xmlns:p14="http://schemas.microsoft.com/office/powerpoint/2010/main" val="1910609951"/>
+      </p:ext>
+    </p:extLst>
+  </p:cSld>
+  <p:clrMapOvr>
+    <a:masterClrMapping/>
+  </p:clrMapOvr>
+  <p:timing>
+    <p:tnLst>
+      <p:par>
+        <p:cTn id="1" dur="indefinite" restart="never" nodeType="tmRoot"/>
+      </p:par>
+    </p:tnLst>
+  </p:timing>
+</p:sld>
+</file>
+
+<file path=ppt/slides/slide9.xml><?xml version="1.0" encoding="utf-8"?>
+<p:sld xmlns:a="http://schemas.openxmlformats.org/drawingml/2006/main" xmlns:r="http://schemas.openxmlformats.org/officeDocument/2006/relationships" xmlns:p="http://schemas.openxmlformats.org/presentationml/2006/main">
+  <p:cSld>
+    <p:spTree>
+      <p:nvGrpSpPr>
+        <p:cNvPr id="1" name=""/>
+        <p:cNvGrpSpPr/>
+        <p:nvPr/>
+      </p:nvGrpSpPr>
+      <p:grpSpPr>
+        <a:xfrm>
+          <a:off x="0" y="0"/>
+          <a:ext cx="0" cy="0"/>
+          <a:chOff x="0" y="0"/>
+          <a:chExt cx="0" cy="0"/>
+        </a:xfrm>
+      </p:grpSpPr>
+      <p:sp>
+        <p:nvSpPr>
+          <p:cNvPr id="2" name="Заглавие 1"/>
+          <p:cNvSpPr>
+            <a:spLocks noGrp="1"/>
+          </p:cNvSpPr>
+          <p:nvPr>
+            <p:ph type="title"/>
+          </p:nvPr>
+        </p:nvSpPr>
+        <p:spPr/>
+        <p:txBody>
+          <a:bodyPr/>
+          <a:lstStyle/>
+          <a:p>
+            <a:r>
+              <a:rPr lang="en-US" dirty="0" smtClean="0"/>
+              <a:t>Rootkit </a:t>
+            </a:r>
+            <a:r>
+              <a:rPr lang="bg-BG" dirty="0" smtClean="0"/>
+              <a:t>във </a:t>
+            </a:r>
+            <a:r>
+              <a:rPr lang="en-US" dirty="0" smtClean="0"/>
+              <a:t>firmware</a:t>
+            </a:r>
+            <a:endParaRPr lang="bg-BG" dirty="0"/>
+          </a:p>
+        </p:txBody>
+      </p:sp>
+      <p:sp>
+        <p:nvSpPr>
+          <p:cNvPr id="3" name="Контейнер за съдържание 2"/>
+          <p:cNvSpPr>
+            <a:spLocks noGrp="1"/>
+          </p:cNvSpPr>
+          <p:nvPr>
+            <p:ph idx="1"/>
+          </p:nvPr>
+        </p:nvSpPr>
+        <p:spPr/>
+        <p:txBody>
+          <a:bodyPr/>
+          <a:lstStyle/>
+          <a:p>
+            <a:pPr algn="just"/>
+            <a:r>
+              <a:rPr lang="bg-BG" dirty="0" smtClean="0"/>
+              <a:t>цели </a:t>
+            </a:r>
+            <a:r>
+              <a:rPr lang="bg-BG" dirty="0"/>
+              <a:t>да модифицира регионите от компютърната система, където се съхранява софтуер за взаимодействие с хардуерните компоненти, като например </a:t>
+            </a:r>
+            <a:r>
+              <a:rPr lang="en-US" dirty="0"/>
+              <a:t>BIOS или </a:t>
+            </a:r>
+            <a:r>
+              <a:rPr lang="en-US" dirty="0" smtClean="0"/>
+              <a:t>UEFI</a:t>
+            </a:r>
+          </a:p>
+          <a:p>
+            <a:pPr algn="just"/>
+            <a:r>
+              <a:rPr lang="bg-BG" dirty="0" smtClean="0"/>
+              <a:t>2011г. : </a:t>
+            </a:r>
+            <a:r>
+              <a:rPr lang="en-US" dirty="0" smtClean="0"/>
+              <a:t>“</a:t>
+            </a:r>
+            <a:r>
+              <a:rPr lang="en-US" dirty="0" err="1" smtClean="0"/>
+              <a:t>Mebroni</a:t>
+            </a:r>
+            <a:r>
+              <a:rPr lang="en-US" dirty="0" smtClean="0"/>
+              <a:t>”</a:t>
+            </a:r>
+            <a:r>
+              <a:rPr lang="bg-BG" dirty="0" smtClean="0"/>
+              <a:t> </a:t>
+            </a:r>
+          </a:p>
+          <a:p>
+            <a:pPr lvl="1" algn="just"/>
+            <a:r>
+              <a:rPr lang="bg-BG" dirty="0" smtClean="0"/>
+              <a:t>първият свободно открит представител, модифициращ </a:t>
+            </a:r>
+            <a:r>
+              <a:rPr lang="en-US" dirty="0" smtClean="0"/>
+              <a:t>BIOS</a:t>
+            </a:r>
+          </a:p>
+          <a:p>
+            <a:pPr algn="just"/>
+            <a:r>
+              <a:rPr lang="bg-BG" dirty="0" smtClean="0"/>
+              <a:t>2013г. </a:t>
+            </a:r>
+            <a:r>
+              <a:rPr lang="en-US" dirty="0" smtClean="0"/>
+              <a:t>: “DEITYBOUNCE”, “JETPLOW”</a:t>
+            </a:r>
+            <a:endParaRPr lang="bg-BG" dirty="0" smtClean="0"/>
+          </a:p>
+          <a:p>
+            <a:pPr lvl="1" algn="just"/>
+            <a:r>
+              <a:rPr lang="bg-BG" dirty="0" smtClean="0"/>
+              <a:t>потенциални разработки на службите за сигурност на САЩ</a:t>
+            </a:r>
+            <a:endParaRPr lang="en-US" dirty="0" smtClean="0"/>
+          </a:p>
+          <a:p>
+            <a:pPr algn="just"/>
+            <a:r>
+              <a:rPr lang="bg-BG" dirty="0" smtClean="0"/>
+              <a:t>2018г. </a:t>
+            </a:r>
+            <a:r>
+              <a:rPr lang="en-US" dirty="0" smtClean="0"/>
+              <a:t>: “</a:t>
+            </a:r>
+            <a:r>
+              <a:rPr lang="en-US" dirty="0" err="1" smtClean="0"/>
+              <a:t>Lojax</a:t>
+            </a:r>
+            <a:r>
+              <a:rPr lang="en-US" dirty="0" smtClean="0"/>
+              <a:t>”</a:t>
+            </a:r>
+            <a:endParaRPr lang="bg-BG" dirty="0" smtClean="0"/>
+          </a:p>
+          <a:p>
+            <a:pPr lvl="1" algn="just"/>
+            <a:r>
+              <a:rPr lang="bg-BG" dirty="0" smtClean="0"/>
+              <a:t>възползва се от легитимен софтуер против кражба на лаптопи</a:t>
+            </a:r>
+            <a:endParaRPr lang="en-US" dirty="0"/>
+          </a:p>
+          <a:p>
+            <a:pPr lvl="1" algn="just"/>
+            <a:endParaRPr lang="bg-BG" dirty="0"/>
+          </a:p>
+        </p:txBody>
+      </p:sp>
+      <p:sp>
+        <p:nvSpPr>
+          <p:cNvPr id="4" name="Контейнер за долния колонтитул 3"/>
+          <p:cNvSpPr>
+            <a:spLocks noGrp="1"/>
+          </p:cNvSpPr>
+          <p:nvPr>
+            <p:ph type="ftr" sz="quarter" idx="11"/>
+          </p:nvPr>
+        </p:nvSpPr>
+        <p:spPr/>
+        <p:txBody>
+          <a:bodyPr/>
+          <a:lstStyle/>
+          <a:p>
+            <a:r>
+              <a:rPr lang="ru-RU" smtClean="0"/>
+              <a:t>СУ „Св. Кл. Охридски“, ФМИ, ЗИКСМ, зимен семестър, 2021/2022г.,  Иван Ивов Чучулски, 4MI3400043</a:t>
+            </a:r>
+            <a:endParaRPr lang="bg-BG"/>
+          </a:p>
+        </p:txBody>
+      </p:sp>
+      <p:sp>
+        <p:nvSpPr>
+          <p:cNvPr id="5" name="Контейнер за номер на слайда 4"/>
+          <p:cNvSpPr>
+            <a:spLocks noGrp="1"/>
+          </p:cNvSpPr>
+          <p:nvPr>
+            <p:ph type="sldNum" sz="quarter" idx="12"/>
+          </p:nvPr>
+        </p:nvSpPr>
+        <p:spPr/>
+        <p:txBody>
+          <a:bodyPr/>
+          <a:lstStyle/>
+          <a:p>
+            <a:fld id="{259F47CD-40EF-4490-8B0C-1C31B8436011}" type="slidenum">
+              <a:rPr lang="bg-BG" smtClean="0"/>
+              <a:t>9</a:t>
+            </a:fld>
+            <a:endParaRPr lang="bg-BG"/>
+          </a:p>
+        </p:txBody>
+      </p:sp>
+    </p:spTree>
+    <p:extLst>
+      <p:ext uri="{BB962C8B-B14F-4D97-AF65-F5344CB8AC3E}">
+        <p14:creationId xmlns:p14="http://schemas.microsoft.com/office/powerpoint/2010/main" val="2719481562"/>
+      </p:ext>
+    </p:extLst>
+  </p:cSld>
+  <p:clrMapOvr>
+    <a:masterClrMapping/>
+  </p:clrMapOvr>
+  <p:timing>
+    <p:tnLst>
+      <p:par>
+        <p:cTn id="1" dur="indefinite" restart="never" nodeType="tmRoot"/>
+      </p:par>
+    </p:tnLst>
+  </p:timing>
 </p:sld>
 </file>
 

--- a/malware-presentation-rootkits-4MI340043.pptx
+++ b/malware-presentation-rootkits-4MI340043.pptx
@@ -209,7 +209,7 @@
           <a:p>
             <a:fld id="{7E547258-D3E2-4CE1-B008-E31900700E3E}" type="datetimeFigureOut">
               <a:rPr lang="bg-BG" smtClean="0"/>
-              <a:t>9.2.2022 г.</a:t>
+              <a:t>10.2.2022 г.</a:t>
             </a:fld>
             <a:endParaRPr lang="bg-BG"/>
           </a:p>
@@ -944,7 +944,7 @@
           <a:p>
             <a:fld id="{B0216D88-D2CB-44E2-967F-ACF0F7DA175A}" type="datetime1">
               <a:rPr lang="bg-BG" smtClean="0"/>
-              <a:t>9.2.2022 г.</a:t>
+              <a:t>10.2.2022 г.</a:t>
             </a:fld>
             <a:endParaRPr lang="bg-BG"/>
           </a:p>
@@ -1118,7 +1118,7 @@
           <a:p>
             <a:fld id="{BB129744-2ABE-41E3-AF36-9BD9E912F45D}" type="datetime1">
               <a:rPr lang="bg-BG" smtClean="0"/>
-              <a:t>9.2.2022 г.</a:t>
+              <a:t>10.2.2022 г.</a:t>
             </a:fld>
             <a:endParaRPr lang="bg-BG"/>
           </a:p>
@@ -1302,7 +1302,7 @@
           <a:p>
             <a:fld id="{B93757BF-C07C-41B8-A287-83C821480FF1}" type="datetime1">
               <a:rPr lang="bg-BG" smtClean="0"/>
-              <a:t>9.2.2022 г.</a:t>
+              <a:t>10.2.2022 г.</a:t>
             </a:fld>
             <a:endParaRPr lang="bg-BG"/>
           </a:p>
@@ -1476,7 +1476,7 @@
           <a:p>
             <a:fld id="{7E807D41-EF01-47A6-873A-1CAC63E39858}" type="datetime1">
               <a:rPr lang="bg-BG" smtClean="0"/>
-              <a:t>9.2.2022 г.</a:t>
+              <a:t>10.2.2022 г.</a:t>
             </a:fld>
             <a:endParaRPr lang="bg-BG"/>
           </a:p>
@@ -1726,7 +1726,7 @@
           <a:p>
             <a:fld id="{BD532017-1370-4101-8325-DC1F71A5ECFB}" type="datetime1">
               <a:rPr lang="bg-BG" smtClean="0"/>
-              <a:t>9.2.2022 г.</a:t>
+              <a:t>10.2.2022 г.</a:t>
             </a:fld>
             <a:endParaRPr lang="bg-BG"/>
           </a:p>
@@ -1962,7 +1962,7 @@
           <a:p>
             <a:fld id="{D84FDA24-3A17-451E-8443-4C0B3B161E97}" type="datetime1">
               <a:rPr lang="bg-BG" smtClean="0"/>
-              <a:t>9.2.2022 г.</a:t>
+              <a:t>10.2.2022 г.</a:t>
             </a:fld>
             <a:endParaRPr lang="bg-BG"/>
           </a:p>
@@ -2333,7 +2333,7 @@
           <a:p>
             <a:fld id="{E121DACB-860F-4036-A1A4-B549D61A672F}" type="datetime1">
               <a:rPr lang="bg-BG" smtClean="0"/>
-              <a:t>9.2.2022 г.</a:t>
+              <a:t>10.2.2022 г.</a:t>
             </a:fld>
             <a:endParaRPr lang="bg-BG"/>
           </a:p>
@@ -2455,7 +2455,7 @@
           <a:p>
             <a:fld id="{D58F0905-750D-4225-8807-0361CEDC508E}" type="datetime1">
               <a:rPr lang="bg-BG" smtClean="0"/>
-              <a:t>9.2.2022 г.</a:t>
+              <a:t>10.2.2022 г.</a:t>
             </a:fld>
             <a:endParaRPr lang="bg-BG"/>
           </a:p>
@@ -2554,7 +2554,7 @@
           <a:p>
             <a:fld id="{E8C41FC7-9910-42DA-9FE3-F3E762ABD1D7}" type="datetime1">
               <a:rPr lang="bg-BG" smtClean="0"/>
-              <a:t>9.2.2022 г.</a:t>
+              <a:t>10.2.2022 г.</a:t>
             </a:fld>
             <a:endParaRPr lang="bg-BG"/>
           </a:p>
@@ -2835,7 +2835,7 @@
           <a:p>
             <a:fld id="{F428D9B1-5158-4182-BABA-BE09555F63FB}" type="datetime1">
               <a:rPr lang="bg-BG" smtClean="0"/>
-              <a:t>9.2.2022 г.</a:t>
+              <a:t>10.2.2022 г.</a:t>
             </a:fld>
             <a:endParaRPr lang="bg-BG"/>
           </a:p>
@@ -3092,7 +3092,7 @@
           <a:p>
             <a:fld id="{FDFDF08F-0CA3-4C81-BE23-FB211EBD5F0A}" type="datetime1">
               <a:rPr lang="bg-BG" smtClean="0"/>
-              <a:t>9.2.2022 г.</a:t>
+              <a:t>10.2.2022 г.</a:t>
             </a:fld>
             <a:endParaRPr lang="bg-BG"/>
           </a:p>
@@ -3309,7 +3309,7 @@
           <a:p>
             <a:fld id="{979FF69A-0192-45DC-AA74-886B518CF1BC}" type="datetime1">
               <a:rPr lang="bg-BG" smtClean="0"/>
-              <a:t>9.2.2022 г.</a:t>
+              <a:t>10.2.2022 г.</a:t>
             </a:fld>
             <a:endParaRPr lang="bg-BG"/>
           </a:p>
@@ -3809,11 +3809,7 @@
             </a:r>
             <a:r>
               <a:rPr lang="en-US" sz="2400" b="1" dirty="0" smtClean="0"/>
-              <a:t>“</a:t>
-            </a:r>
-            <a:r>
-              <a:rPr lang="en-US" sz="2400" b="1" dirty="0" smtClean="0"/>
-              <a:t>Rootkit </a:t>
+              <a:t>“Rootkit </a:t>
             </a:r>
             <a:r>
               <a:rPr lang="bg-BG" sz="2400" b="1" dirty="0"/>
@@ -4021,7 +4017,7 @@
           <a:graphicData uri="http://schemas.openxmlformats.org/presentationml/2006/ole">
             <mc:AlternateContent xmlns:mc="http://schemas.openxmlformats.org/markup-compatibility/2006">
               <mc:Choice xmlns:v="urn:schemas-microsoft-com:vml" Requires="v">
-                <p:oleObj spid="_x0000_s1264" name="Picture" r:id="rId4" imgW="1993392" imgH="2459736" progId="Word.Picture.8">
+                <p:oleObj spid="_x0000_s1265" name="Picture" r:id="rId4" imgW="1993392" imgH="2459736" progId="Word.Picture.8">
                   <p:embed/>
                 </p:oleObj>
               </mc:Choice>
@@ -5118,7 +5114,6 @@
               <a:rPr lang="bg-BG" dirty="0"/>
               <a:t> програма</a:t>
             </a:r>
-            <a:endParaRPr lang="bg-BG" dirty="0"/>
           </a:p>
         </p:txBody>
       </p:sp>
@@ -5291,11 +5286,7 @@
             </a:r>
             <a:r>
               <a:rPr lang="bg-BG" dirty="0" smtClean="0"/>
-              <a:t>абор от софтуерни програми, които спомагат за п</a:t>
-            </a:r>
-            <a:r>
-              <a:rPr lang="bg-BG" dirty="0" smtClean="0"/>
-              <a:t>редоставяне на постояненна и скрит неоторизиран привилегирован достъп до машината на жертвата</a:t>
+              <a:t>абор от софтуерни програми, които спомагат за предоставяне на постояненна и скрит неоторизиран привилегирован достъп до машината на жертвата</a:t>
             </a:r>
           </a:p>
           <a:p>
@@ -6314,7 +6305,19 @@
             <a:pPr algn="just"/>
             <a:r>
               <a:rPr lang="bg-BG" dirty="0" smtClean="0"/>
-              <a:t>може да се инсталират се като драйвери</a:t>
+              <a:t>може да </a:t>
+            </a:r>
+            <a:r>
+              <a:rPr lang="bg-BG" smtClean="0"/>
+              <a:t>се </a:t>
+            </a:r>
+            <a:r>
+              <a:rPr lang="bg-BG" smtClean="0"/>
+              <a:t>инсталират </a:t>
+            </a:r>
+            <a:r>
+              <a:rPr lang="bg-BG" dirty="0" smtClean="0"/>
+              <a:t>като драйвери</a:t>
             </a:r>
             <a:endParaRPr lang="en-US" dirty="0" smtClean="0"/>
           </a:p>
